--- a/my_lecture/系统服务(2)-AMS190327/系统服务(2)-AMS190328.pptx
+++ b/my_lecture/系统服务(2)-AMS190327/系统服务(2)-AMS190328.pptx
@@ -5,44 +5,43 @@
     <p:sldMasterId id="2147483786" r:id="rId1"/>
   </p:sldMasterIdLst>
   <p:notesMasterIdLst>
-    <p:notesMasterId r:id="rId37"/>
+    <p:notesMasterId r:id="rId36"/>
   </p:notesMasterIdLst>
   <p:sldIdLst>
     <p:sldId id="256" r:id="rId2"/>
     <p:sldId id="455" r:id="rId3"/>
-    <p:sldId id="458" r:id="rId4"/>
-    <p:sldId id="495" r:id="rId5"/>
-    <p:sldId id="445" r:id="rId6"/>
-    <p:sldId id="496" r:id="rId7"/>
-    <p:sldId id="467" r:id="rId8"/>
-    <p:sldId id="468" r:id="rId9"/>
-    <p:sldId id="497" r:id="rId10"/>
-    <p:sldId id="498" r:id="rId11"/>
-    <p:sldId id="499" r:id="rId12"/>
-    <p:sldId id="500" r:id="rId13"/>
-    <p:sldId id="501" r:id="rId14"/>
-    <p:sldId id="502" r:id="rId15"/>
-    <p:sldId id="503" r:id="rId16"/>
-    <p:sldId id="504" r:id="rId17"/>
-    <p:sldId id="523" r:id="rId18"/>
-    <p:sldId id="505" r:id="rId19"/>
-    <p:sldId id="507" r:id="rId20"/>
-    <p:sldId id="508" r:id="rId21"/>
-    <p:sldId id="509" r:id="rId22"/>
-    <p:sldId id="510" r:id="rId23"/>
-    <p:sldId id="511" r:id="rId24"/>
-    <p:sldId id="524" r:id="rId25"/>
-    <p:sldId id="512" r:id="rId26"/>
-    <p:sldId id="513" r:id="rId27"/>
-    <p:sldId id="525" r:id="rId28"/>
-    <p:sldId id="515" r:id="rId29"/>
-    <p:sldId id="517" r:id="rId30"/>
-    <p:sldId id="518" r:id="rId31"/>
-    <p:sldId id="520" r:id="rId32"/>
-    <p:sldId id="521" r:id="rId33"/>
-    <p:sldId id="522" r:id="rId34"/>
-    <p:sldId id="516" r:id="rId35"/>
-    <p:sldId id="493" r:id="rId36"/>
+    <p:sldId id="495" r:id="rId4"/>
+    <p:sldId id="445" r:id="rId5"/>
+    <p:sldId id="496" r:id="rId6"/>
+    <p:sldId id="467" r:id="rId7"/>
+    <p:sldId id="468" r:id="rId8"/>
+    <p:sldId id="497" r:id="rId9"/>
+    <p:sldId id="498" r:id="rId10"/>
+    <p:sldId id="499" r:id="rId11"/>
+    <p:sldId id="500" r:id="rId12"/>
+    <p:sldId id="501" r:id="rId13"/>
+    <p:sldId id="502" r:id="rId14"/>
+    <p:sldId id="503" r:id="rId15"/>
+    <p:sldId id="504" r:id="rId16"/>
+    <p:sldId id="523" r:id="rId17"/>
+    <p:sldId id="505" r:id="rId18"/>
+    <p:sldId id="507" r:id="rId19"/>
+    <p:sldId id="508" r:id="rId20"/>
+    <p:sldId id="509" r:id="rId21"/>
+    <p:sldId id="510" r:id="rId22"/>
+    <p:sldId id="511" r:id="rId23"/>
+    <p:sldId id="524" r:id="rId24"/>
+    <p:sldId id="512" r:id="rId25"/>
+    <p:sldId id="513" r:id="rId26"/>
+    <p:sldId id="525" r:id="rId27"/>
+    <p:sldId id="515" r:id="rId28"/>
+    <p:sldId id="517" r:id="rId29"/>
+    <p:sldId id="518" r:id="rId30"/>
+    <p:sldId id="520" r:id="rId31"/>
+    <p:sldId id="521" r:id="rId32"/>
+    <p:sldId id="522" r:id="rId33"/>
+    <p:sldId id="516" r:id="rId34"/>
+    <p:sldId id="493" r:id="rId35"/>
   </p:sldIdLst>
   <p:sldSz cx="9144000" cy="6858000" type="screen4x3"/>
   <p:notesSz cx="6858000" cy="9144000"/>
@@ -289,7 +288,7 @@
           <a:p>
             <a:fld id="{7BE6E9A2-1A87-4305-AFC5-94473D8E5172}" type="datetimeFigureOut">
               <a:rPr lang="zh-CN" altLang="en-US" smtClean="0"/>
-              <a:t>2019/3/28</a:t>
+              <a:t>2019/4/3</a:t>
             </a:fld>
             <a:endParaRPr lang="zh-CN" altLang="en-US"/>
           </a:p>
@@ -733,7 +732,7 @@
           <a:p>
             <a:fld id="{587D1269-CCB9-4D86-98EA-497C054C249D}" type="slidenum">
               <a:rPr lang="zh-CN" altLang="en-US" smtClean="0"/>
-              <a:t>12</a:t>
+              <a:t>11</a:t>
             </a:fld>
             <a:endParaRPr lang="zh-CN" altLang="en-US"/>
           </a:p>
@@ -836,7 +835,7 @@
           <a:p>
             <a:fld id="{587D1269-CCB9-4D86-98EA-497C054C249D}" type="slidenum">
               <a:rPr lang="zh-CN" altLang="en-US" smtClean="0"/>
-              <a:t>13</a:t>
+              <a:t>12</a:t>
             </a:fld>
             <a:endParaRPr lang="zh-CN" altLang="en-US"/>
           </a:p>
@@ -939,7 +938,7 @@
           <a:p>
             <a:fld id="{587D1269-CCB9-4D86-98EA-497C054C249D}" type="slidenum">
               <a:rPr lang="zh-CN" altLang="en-US" smtClean="0"/>
-              <a:t>14</a:t>
+              <a:t>13</a:t>
             </a:fld>
             <a:endParaRPr lang="zh-CN" altLang="en-US"/>
           </a:p>
@@ -1167,7 +1166,7 @@
           <a:p>
             <a:fld id="{587D1269-CCB9-4D86-98EA-497C054C249D}" type="slidenum">
               <a:rPr lang="zh-CN" altLang="en-US" smtClean="0"/>
-              <a:t>15</a:t>
+              <a:t>14</a:t>
             </a:fld>
             <a:endParaRPr lang="zh-CN" altLang="en-US"/>
           </a:p>
@@ -1271,7 +1270,7 @@
           <a:p>
             <a:fld id="{587D1269-CCB9-4D86-98EA-497C054C249D}" type="slidenum">
               <a:rPr lang="zh-CN" altLang="en-US" smtClean="0"/>
-              <a:t>16</a:t>
+              <a:t>15</a:t>
             </a:fld>
             <a:endParaRPr lang="zh-CN" altLang="en-US"/>
           </a:p>
@@ -1375,7 +1374,7 @@
           <a:p>
             <a:fld id="{587D1269-CCB9-4D86-98EA-497C054C249D}" type="slidenum">
               <a:rPr lang="zh-CN" altLang="en-US" smtClean="0"/>
-              <a:t>17</a:t>
+              <a:t>16</a:t>
             </a:fld>
             <a:endParaRPr lang="zh-CN" altLang="en-US"/>
           </a:p>
@@ -1467,7 +1466,7 @@
           <a:p>
             <a:fld id="{587D1269-CCB9-4D86-98EA-497C054C249D}" type="slidenum">
               <a:rPr lang="zh-CN" altLang="en-US" smtClean="0"/>
-              <a:t>18</a:t>
+              <a:t>17</a:t>
             </a:fld>
             <a:endParaRPr lang="zh-CN" altLang="en-US"/>
           </a:p>
@@ -1559,7 +1558,7 @@
           <a:p>
             <a:fld id="{587D1269-CCB9-4D86-98EA-497C054C249D}" type="slidenum">
               <a:rPr lang="zh-CN" altLang="en-US" smtClean="0"/>
-              <a:t>19</a:t>
+              <a:t>18</a:t>
             </a:fld>
             <a:endParaRPr lang="zh-CN" altLang="en-US"/>
           </a:p>
@@ -1663,7 +1662,7 @@
           <a:p>
             <a:fld id="{587D1269-CCB9-4D86-98EA-497C054C249D}" type="slidenum">
               <a:rPr lang="zh-CN" altLang="en-US" smtClean="0"/>
-              <a:t>20</a:t>
+              <a:t>19</a:t>
             </a:fld>
             <a:endParaRPr lang="zh-CN" altLang="en-US"/>
           </a:p>
@@ -1767,7 +1766,7 @@
           <a:p>
             <a:fld id="{587D1269-CCB9-4D86-98EA-497C054C249D}" type="slidenum">
               <a:rPr lang="zh-CN" altLang="en-US" smtClean="0"/>
-              <a:t>21</a:t>
+              <a:t>20</a:t>
             </a:fld>
             <a:endParaRPr lang="zh-CN" altLang="en-US"/>
           </a:p>
@@ -1944,7 +1943,7 @@
           <a:p>
             <a:fld id="{587D1269-CCB9-4D86-98EA-497C054C249D}" type="slidenum">
               <a:rPr lang="zh-CN" altLang="en-US" smtClean="0"/>
-              <a:t>4</a:t>
+              <a:t>3</a:t>
             </a:fld>
             <a:endParaRPr lang="zh-CN" altLang="en-US"/>
           </a:p>
@@ -2048,7 +2047,7 @@
           <a:p>
             <a:fld id="{587D1269-CCB9-4D86-98EA-497C054C249D}" type="slidenum">
               <a:rPr lang="zh-CN" altLang="en-US" smtClean="0"/>
-              <a:t>22</a:t>
+              <a:t>21</a:t>
             </a:fld>
             <a:endParaRPr lang="zh-CN" altLang="en-US"/>
           </a:p>
@@ -2467,7 +2466,7 @@
           <a:p>
             <a:fld id="{587D1269-CCB9-4D86-98EA-497C054C249D}" type="slidenum">
               <a:rPr lang="zh-CN" altLang="en-US" smtClean="0"/>
-              <a:t>23</a:t>
+              <a:t>22</a:t>
             </a:fld>
             <a:endParaRPr lang="zh-CN" altLang="en-US"/>
           </a:p>
@@ -2886,7 +2885,7 @@
           <a:p>
             <a:fld id="{587D1269-CCB9-4D86-98EA-497C054C249D}" type="slidenum">
               <a:rPr lang="zh-CN" altLang="en-US" smtClean="0"/>
-              <a:t>24</a:t>
+              <a:t>23</a:t>
             </a:fld>
             <a:endParaRPr lang="zh-CN" altLang="en-US"/>
           </a:p>
@@ -3177,7 +3176,7 @@
           <a:p>
             <a:fld id="{587D1269-CCB9-4D86-98EA-497C054C249D}" type="slidenum">
               <a:rPr lang="zh-CN" altLang="en-US" smtClean="0"/>
-              <a:t>25</a:t>
+              <a:t>24</a:t>
             </a:fld>
             <a:endParaRPr lang="zh-CN" altLang="en-US"/>
           </a:p>
@@ -3269,7 +3268,7 @@
           <a:p>
             <a:fld id="{587D1269-CCB9-4D86-98EA-497C054C249D}" type="slidenum">
               <a:rPr lang="zh-CN" altLang="en-US" smtClean="0"/>
-              <a:t>26</a:t>
+              <a:t>25</a:t>
             </a:fld>
             <a:endParaRPr lang="zh-CN" altLang="en-US"/>
           </a:p>
@@ -3658,19 +3657,7 @@
                 <a:ea typeface="+mn-ea"/>
                 <a:cs typeface="+mn-cs"/>
               </a:rPr>
-              <a:t>只有</a:t>
-            </a:r>
-            <a:r>
-              <a:rPr lang="zh-CN" altLang="zh-CN" sz="1200" kern="1200" dirty="0" smtClean="0">
-                <a:solidFill>
-                  <a:schemeClr val="tx1"/>
-                </a:solidFill>
-                <a:effectLst/>
-                <a:latin typeface="+mn-lt"/>
-                <a:ea typeface="+mn-ea"/>
-                <a:cs typeface="+mn-cs"/>
-              </a:rPr>
-              <a:t>在</a:t>
+              <a:t>只有在</a:t>
             </a:r>
             <a:r>
               <a:rPr lang="en-US" altLang="zh-CN" sz="1200" kern="1200" dirty="0" smtClean="0">
@@ -3871,7 +3858,7 @@
           <a:p>
             <a:fld id="{587D1269-CCB9-4D86-98EA-497C054C249D}" type="slidenum">
               <a:rPr lang="zh-CN" altLang="en-US" smtClean="0"/>
-              <a:t>27</a:t>
+              <a:t>26</a:t>
             </a:fld>
             <a:endParaRPr lang="zh-CN" altLang="en-US"/>
           </a:p>
@@ -3963,7 +3950,7 @@
           <a:p>
             <a:fld id="{587D1269-CCB9-4D86-98EA-497C054C249D}" type="slidenum">
               <a:rPr lang="zh-CN" altLang="en-US" smtClean="0"/>
-              <a:t>28</a:t>
+              <a:t>27</a:t>
             </a:fld>
             <a:endParaRPr lang="zh-CN" altLang="en-US"/>
           </a:p>
@@ -4055,7 +4042,7 @@
           <a:p>
             <a:fld id="{587D1269-CCB9-4D86-98EA-497C054C249D}" type="slidenum">
               <a:rPr lang="zh-CN" altLang="en-US" smtClean="0"/>
-              <a:t>29</a:t>
+              <a:t>28</a:t>
             </a:fld>
             <a:endParaRPr lang="zh-CN" altLang="en-US"/>
           </a:p>
@@ -4147,7 +4134,7 @@
           <a:p>
             <a:fld id="{587D1269-CCB9-4D86-98EA-497C054C249D}" type="slidenum">
               <a:rPr lang="zh-CN" altLang="en-US" smtClean="0"/>
-              <a:t>30</a:t>
+              <a:t>29</a:t>
             </a:fld>
             <a:endParaRPr lang="zh-CN" altLang="en-US"/>
           </a:p>
@@ -4239,7 +4226,7 @@
           <a:p>
             <a:fld id="{587D1269-CCB9-4D86-98EA-497C054C249D}" type="slidenum">
               <a:rPr lang="zh-CN" altLang="en-US" smtClean="0"/>
-              <a:t>31</a:t>
+              <a:t>30</a:t>
             </a:fld>
             <a:endParaRPr lang="zh-CN" altLang="en-US"/>
           </a:p>
@@ -4936,7 +4923,7 @@
           <a:p>
             <a:fld id="{587D1269-CCB9-4D86-98EA-497C054C249D}" type="slidenum">
               <a:rPr lang="zh-CN" altLang="en-US" smtClean="0"/>
-              <a:t>5</a:t>
+              <a:t>4</a:t>
             </a:fld>
             <a:endParaRPr lang="zh-CN" altLang="en-US"/>
           </a:p>
@@ -5028,7 +5015,7 @@
           <a:p>
             <a:fld id="{587D1269-CCB9-4D86-98EA-497C054C249D}" type="slidenum">
               <a:rPr lang="zh-CN" altLang="en-US" smtClean="0"/>
-              <a:t>32</a:t>
+              <a:t>31</a:t>
             </a:fld>
             <a:endParaRPr lang="zh-CN" altLang="en-US"/>
           </a:p>
@@ -5120,7 +5107,7 @@
           <a:p>
             <a:fld id="{587D1269-CCB9-4D86-98EA-497C054C249D}" type="slidenum">
               <a:rPr lang="zh-CN" altLang="en-US" smtClean="0"/>
-              <a:t>33</a:t>
+              <a:t>32</a:t>
             </a:fld>
             <a:endParaRPr lang="zh-CN" altLang="en-US"/>
           </a:p>
@@ -5411,7 +5398,7 @@
           <a:p>
             <a:fld id="{587D1269-CCB9-4D86-98EA-497C054C249D}" type="slidenum">
               <a:rPr lang="zh-CN" altLang="en-US" smtClean="0"/>
-              <a:t>34</a:t>
+              <a:t>33</a:t>
             </a:fld>
             <a:endParaRPr lang="zh-CN" altLang="en-US"/>
           </a:p>
@@ -5520,7 +5507,7 @@
           <a:p>
             <a:fld id="{587D1269-CCB9-4D86-98EA-497C054C249D}" type="slidenum">
               <a:rPr lang="zh-CN" altLang="en-US" smtClean="0"/>
-              <a:t>6</a:t>
+              <a:t>5</a:t>
             </a:fld>
             <a:endParaRPr lang="zh-CN" altLang="en-US"/>
           </a:p>
@@ -6248,7 +6235,7 @@
           <a:p>
             <a:fld id="{587D1269-CCB9-4D86-98EA-497C054C249D}" type="slidenum">
               <a:rPr lang="zh-CN" altLang="en-US" smtClean="0"/>
-              <a:t>7</a:t>
+              <a:t>6</a:t>
             </a:fld>
             <a:endParaRPr lang="zh-CN" altLang="en-US"/>
           </a:p>
@@ -6920,7 +6907,7 @@
           <a:p>
             <a:fld id="{587D1269-CCB9-4D86-98EA-497C054C249D}" type="slidenum">
               <a:rPr lang="zh-CN" altLang="en-US" smtClean="0"/>
-              <a:t>8</a:t>
+              <a:t>7</a:t>
             </a:fld>
             <a:endParaRPr lang="zh-CN" altLang="en-US"/>
           </a:p>
@@ -7861,7 +7848,7 @@
           <a:p>
             <a:fld id="{587D1269-CCB9-4D86-98EA-497C054C249D}" type="slidenum">
               <a:rPr lang="zh-CN" altLang="en-US" smtClean="0"/>
-              <a:t>9</a:t>
+              <a:t>8</a:t>
             </a:fld>
             <a:endParaRPr lang="zh-CN" altLang="en-US"/>
           </a:p>
@@ -8627,7 +8614,7 @@
           <a:p>
             <a:fld id="{587D1269-CCB9-4D86-98EA-497C054C249D}" type="slidenum">
               <a:rPr lang="zh-CN" altLang="en-US" smtClean="0"/>
-              <a:t>10</a:t>
+              <a:t>9</a:t>
             </a:fld>
             <a:endParaRPr lang="zh-CN" altLang="en-US"/>
           </a:p>
@@ -9216,7 +9203,7 @@
           <a:p>
             <a:fld id="{587D1269-CCB9-4D86-98EA-497C054C249D}" type="slidenum">
               <a:rPr lang="zh-CN" altLang="en-US" smtClean="0"/>
-              <a:t>11</a:t>
+              <a:t>10</a:t>
             </a:fld>
             <a:endParaRPr lang="zh-CN" altLang="en-US"/>
           </a:p>
@@ -9378,7 +9365,7 @@
               <a:pPr>
                 <a:defRPr/>
               </a:pPr>
-              <a:t>2019/3/28</a:t>
+              <a:t>2019/4/3</a:t>
             </a:fld>
             <a:endParaRPr lang="zh-CN" altLang="en-US" sz="1800">
               <a:solidFill>
@@ -9579,7 +9566,7 @@
               <a:pPr>
                 <a:defRPr/>
               </a:pPr>
-              <a:t>2019/3/28</a:t>
+              <a:t>2019/4/3</a:t>
             </a:fld>
             <a:endParaRPr lang="zh-CN" altLang="en-US" sz="1800">
               <a:solidFill>
@@ -9790,7 +9777,7 @@
               <a:pPr>
                 <a:defRPr/>
               </a:pPr>
-              <a:t>2019/3/28</a:t>
+              <a:t>2019/4/3</a:t>
             </a:fld>
             <a:endParaRPr lang="zh-CN" altLang="en-US" sz="1800">
               <a:solidFill>
@@ -9991,7 +9978,7 @@
               <a:pPr>
                 <a:defRPr/>
               </a:pPr>
-              <a:t>2019/3/28</a:t>
+              <a:t>2019/4/3</a:t>
             </a:fld>
             <a:endParaRPr lang="zh-CN" altLang="en-US" sz="1800">
               <a:solidFill>
@@ -10214,7 +10201,7 @@
               <a:pPr>
                 <a:defRPr/>
               </a:pPr>
-              <a:t>2019/3/28</a:t>
+              <a:t>2019/4/3</a:t>
             </a:fld>
             <a:endParaRPr lang="zh-CN" altLang="en-US" sz="1800">
               <a:solidFill>
@@ -10477,7 +10464,7 @@
               <a:pPr>
                 <a:defRPr/>
               </a:pPr>
-              <a:t>2019/3/28</a:t>
+              <a:t>2019/4/3</a:t>
             </a:fld>
             <a:endParaRPr lang="zh-CN" altLang="en-US" sz="1800">
               <a:solidFill>
@@ -10875,7 +10862,7 @@
               <a:pPr>
                 <a:defRPr/>
               </a:pPr>
-              <a:t>2019/3/28</a:t>
+              <a:t>2019/4/3</a:t>
             </a:fld>
             <a:endParaRPr lang="zh-CN" altLang="en-US" sz="1800">
               <a:solidFill>
@@ -11024,7 +11011,7 @@
               <a:pPr>
                 <a:defRPr/>
               </a:pPr>
-              <a:t>2019/3/28</a:t>
+              <a:t>2019/4/3</a:t>
             </a:fld>
             <a:endParaRPr lang="zh-CN" altLang="en-US" sz="1800">
               <a:solidFill>
@@ -11150,7 +11137,7 @@
               <a:pPr>
                 <a:defRPr/>
               </a:pPr>
-              <a:t>2019/3/28</a:t>
+              <a:t>2019/4/3</a:t>
             </a:fld>
             <a:endParaRPr lang="zh-CN" altLang="en-US" sz="1800">
               <a:solidFill>
@@ -11458,7 +11445,7 @@
               <a:pPr>
                 <a:defRPr/>
               </a:pPr>
-              <a:t>2019/3/28</a:t>
+              <a:t>2019/4/3</a:t>
             </a:fld>
             <a:endParaRPr lang="zh-CN" altLang="en-US" sz="1800">
               <a:solidFill>
@@ -11745,7 +11732,7 @@
               <a:pPr>
                 <a:defRPr/>
               </a:pPr>
-              <a:t>2019/3/28</a:t>
+              <a:t>2019/4/3</a:t>
             </a:fld>
             <a:endParaRPr lang="zh-CN" altLang="en-US" sz="1800">
               <a:solidFill>
@@ -12043,7 +12030,7 @@
               <a:pPr>
                 <a:defRPr/>
               </a:pPr>
-              <a:t>2019/3/28</a:t>
+              <a:t>2019/4/3</a:t>
             </a:fld>
             <a:endParaRPr lang="zh-CN" altLang="en-US" sz="1800">
               <a:solidFill>
@@ -13247,7 +13234,7 @@
               <a:buNone/>
             </a:pPr>
             <a:r>
-              <a:rPr lang="zh-CN" altLang="en-US" sz="2400" b="1" dirty="0">
+              <a:rPr lang="zh-CN" altLang="en-US" sz="2400" b="1" dirty="0" smtClean="0">
                 <a:solidFill>
                   <a:srgbClr val="FFC68D"/>
                 </a:solidFill>
@@ -13255,7 +13242,7 @@
                 <a:ea typeface="黑体" pitchFamily="49" charset="-122"/>
                 <a:sym typeface="黑体" pitchFamily="49" charset="-122"/>
               </a:rPr>
-              <a:t>组织方式</a:t>
+              <a:t>情景分析</a:t>
             </a:r>
             <a:endParaRPr lang="en-US" altLang="zh-CN" sz="2400" b="1" dirty="0" smtClean="0">
               <a:solidFill>
@@ -13491,7 +13478,7 @@
       </p:sp>
       <p:pic>
         <p:nvPicPr>
-          <p:cNvPr id="11" name="图片 10" descr="ams_relations"/>
+          <p:cNvPr id="10" name="图片 9" descr="http://upload-images.jianshu.io/upload_images/1858589-af6c22c3df9bfcd8.png?imageMogr2/auto-orient/strip%7CimageView2/2/w/1240"/>
           <p:cNvPicPr/>
           <p:nvPr/>
         </p:nvPicPr>
@@ -13508,10 +13495,10 @@
             <a:fillRect/>
           </a:stretch>
         </p:blipFill>
-        <p:spPr bwMode="auto">
+        <p:spPr>
           <a:xfrm>
-            <a:off x="1403780" y="960896"/>
-            <a:ext cx="5274310" cy="2725420"/>
+            <a:off x="600987" y="801005"/>
+            <a:ext cx="6610350" cy="2838450"/>
           </a:xfrm>
           <a:prstGeom prst="rect">
             <a:avLst/>
@@ -13522,122 +13509,43 @@
           </a:ln>
         </p:spPr>
       </p:pic>
-      <p:sp>
-        <p:nvSpPr>
-          <p:cNvPr id="2" name="矩形 1"/>
-          <p:cNvSpPr/>
+      <p:pic>
+        <p:nvPicPr>
+          <p:cNvPr id="12" name="图片 11" descr="http://upload-images.jianshu.io/upload_images/1858589-e599f522e8b9e78c.png?imageMogr2/auto-orient/strip%7CimageView2/2/w/1240"/>
+          <p:cNvPicPr/>
           <p:nvPr/>
-        </p:nvSpPr>
+        </p:nvPicPr>
+        <p:blipFill>
+          <a:blip r:embed="rId4">
+            <a:extLst>
+              <a:ext uri="{28A0092B-C50C-407E-A947-70E740481C1C}">
+                <a14:useLocalDpi xmlns:a14="http://schemas.microsoft.com/office/drawing/2010/main" val="0"/>
+              </a:ext>
+            </a:extLst>
+          </a:blip>
+          <a:srcRect/>
+          <a:stretch>
+            <a:fillRect/>
+          </a:stretch>
+        </p:blipFill>
         <p:spPr>
           <a:xfrm>
-            <a:off x="467715" y="4195646"/>
-            <a:ext cx="8346085" cy="1754326"/>
+            <a:off x="742950" y="3686651"/>
+            <a:ext cx="6619875" cy="2857500"/>
           </a:xfrm>
           <a:prstGeom prst="rect">
             <a:avLst/>
           </a:prstGeom>
-        </p:spPr>
-        <p:txBody>
-          <a:bodyPr wrap="square">
-            <a:spAutoFit/>
-          </a:bodyPr>
-          <a:lstStyle/>
-          <a:p>
-            <a:r>
-              <a:rPr lang="en-US" altLang="zh-CN" dirty="0"/>
-              <a:t>(1)</a:t>
-            </a:r>
-            <a:r>
-              <a:rPr lang="zh-CN" altLang="zh-CN" dirty="0"/>
-              <a:t>正向关系链表：</a:t>
-            </a:r>
-          </a:p>
-          <a:p>
-            <a:r>
-              <a:rPr lang="en-US" altLang="zh-CN" dirty="0" err="1"/>
-              <a:t>ActivityStackSupervisor.mActivityDisplays</a:t>
-            </a:r>
-            <a:r>
-              <a:rPr lang="en-US" altLang="zh-CN" dirty="0"/>
-              <a:t> -&gt; </a:t>
-            </a:r>
-            <a:r>
-              <a:rPr lang="en-US" altLang="zh-CN" dirty="0" err="1"/>
-              <a:t>ActivityDisplay.mStacks</a:t>
-            </a:r>
-            <a:r>
-              <a:rPr lang="en-US" altLang="zh-CN" dirty="0"/>
-              <a:t> -&gt; </a:t>
-            </a:r>
-            <a:r>
-              <a:rPr lang="en-US" altLang="zh-CN" dirty="0" err="1"/>
-              <a:t>ActivityStack.mTaskHistory</a:t>
-            </a:r>
-            <a:r>
-              <a:rPr lang="en-US" altLang="zh-CN" dirty="0"/>
-              <a:t> -&gt; </a:t>
-            </a:r>
-            <a:r>
-              <a:rPr lang="en-US" altLang="zh-CN" dirty="0" err="1"/>
-              <a:t>TaskRecord.mActivities</a:t>
-            </a:r>
-            <a:r>
-              <a:rPr lang="en-US" altLang="zh-CN" dirty="0"/>
-              <a:t> -&gt; </a:t>
-            </a:r>
-            <a:r>
-              <a:rPr lang="en-US" altLang="zh-CN" dirty="0" err="1"/>
-              <a:t>ActivityRecord</a:t>
-            </a:r>
-            <a:endParaRPr lang="zh-CN" altLang="zh-CN" dirty="0"/>
-          </a:p>
-          <a:p>
-            <a:r>
-              <a:rPr lang="en-US" altLang="zh-CN" dirty="0"/>
-              <a:t>(2)</a:t>
-            </a:r>
-            <a:r>
-              <a:rPr lang="zh-CN" altLang="zh-CN" dirty="0"/>
-              <a:t>反向关系链表：</a:t>
-            </a:r>
-          </a:p>
-          <a:p>
-            <a:r>
-              <a:rPr lang="en-US" altLang="zh-CN" dirty="0" err="1"/>
-              <a:t>ActivityRecord.task</a:t>
-            </a:r>
-            <a:r>
-              <a:rPr lang="en-US" altLang="zh-CN" dirty="0"/>
-              <a:t> -&gt; </a:t>
-            </a:r>
-            <a:r>
-              <a:rPr lang="en-US" altLang="zh-CN" dirty="0" err="1"/>
-              <a:t>TaskRecord.stack</a:t>
-            </a:r>
-            <a:r>
-              <a:rPr lang="en-US" altLang="zh-CN" dirty="0"/>
-              <a:t> -&gt; </a:t>
-            </a:r>
-            <a:r>
-              <a:rPr lang="en-US" altLang="zh-CN" dirty="0" err="1"/>
-              <a:t>ActivityStack.mStackSupervisor</a:t>
-            </a:r>
-            <a:r>
-              <a:rPr lang="en-US" altLang="zh-CN" dirty="0"/>
-              <a:t>-&gt; </a:t>
-            </a:r>
-            <a:r>
-              <a:rPr lang="en-US" altLang="zh-CN" dirty="0" err="1" smtClean="0"/>
-              <a:t>ActivityStackSupervisor</a:t>
-            </a:r>
-            <a:endParaRPr lang="zh-CN" altLang="zh-CN" dirty="0"/>
-          </a:p>
-        </p:txBody>
-      </p:sp>
+          <a:noFill/>
+          <a:ln>
+            <a:noFill/>
+          </a:ln>
+        </p:spPr>
+      </p:pic>
     </p:spTree>
     <p:extLst>
       <p:ext uri="{BB962C8B-B14F-4D97-AF65-F5344CB8AC3E}">
-        <p14:creationId xmlns:p14="http://schemas.microsoft.com/office/powerpoint/2010/main" val="2966755266"/>
+        <p14:creationId xmlns:p14="http://schemas.microsoft.com/office/powerpoint/2010/main" val="347194180"/>
       </p:ext>
     </p:extLst>
   </p:cSld>
@@ -13790,7 +13698,7 @@
               <a:buNone/>
             </a:pPr>
             <a:r>
-              <a:rPr lang="zh-CN" altLang="en-US" sz="2400" b="1" dirty="0" smtClean="0">
+              <a:rPr lang="zh-CN" altLang="en-US" sz="2400" b="1" dirty="0">
                 <a:solidFill>
                   <a:srgbClr val="FFC68D"/>
                 </a:solidFill>
@@ -13798,7 +13706,7 @@
                 <a:ea typeface="黑体" pitchFamily="49" charset="-122"/>
                 <a:sym typeface="黑体" pitchFamily="49" charset="-122"/>
               </a:rPr>
-              <a:t>情景分析</a:t>
+              <a:t>创建</a:t>
             </a:r>
             <a:endParaRPr lang="en-US" altLang="zh-CN" sz="2400" b="1" dirty="0" smtClean="0">
               <a:solidFill>
@@ -13821,7 +13729,7 @@
         </p:nvSpPr>
         <p:spPr bwMode="auto">
           <a:xfrm>
-            <a:off x="-8957" y="14893"/>
+            <a:off x="0" y="-3815"/>
             <a:ext cx="1276350" cy="549275"/>
           </a:xfrm>
           <a:prstGeom prst="rect">
@@ -13866,7 +13774,7 @@
       </p:sp>
       <p:sp>
         <p:nvSpPr>
-          <p:cNvPr id="21" name="矩形 6"/>
+          <p:cNvPr id="22" name="矩形 21"/>
           <p:cNvSpPr>
             <a:spLocks noChangeArrowheads="1"/>
           </p:cNvSpPr>
@@ -13874,63 +13782,7 @@
         </p:nvSpPr>
         <p:spPr bwMode="auto">
           <a:xfrm>
-            <a:off x="1162349" y="1"/>
-            <a:ext cx="1465516" cy="579140"/>
-          </a:xfrm>
-          <a:prstGeom prst="rect">
-            <a:avLst/>
-          </a:prstGeom>
-          <a:solidFill>
-            <a:srgbClr val="19B4DC"/>
-          </a:solidFill>
-          <a:ln w="9525">
-            <a:noFill/>
-            <a:miter lim="800000"/>
-            <a:headEnd/>
-            <a:tailEnd/>
-          </a:ln>
-        </p:spPr>
-        <p:txBody>
-          <a:bodyPr lIns="90170" tIns="46990" rIns="90170" bIns="46990" anchor="ctr"/>
-          <a:lstStyle/>
-          <a:p>
-            <a:pPr algn="ctr" eaLnBrk="1" hangingPunct="1">
-              <a:buFont typeface="Arial" charset="0"/>
-              <a:buNone/>
-            </a:pPr>
-            <a:r>
-              <a:rPr lang="zh-CN" altLang="en-US" sz="2400" b="1" dirty="0" smtClean="0">
-                <a:solidFill>
-                  <a:srgbClr val="FFFFFF"/>
-                </a:solidFill>
-                <a:latin typeface="微软雅黑" pitchFamily="34" charset="-122"/>
-                <a:ea typeface="微软雅黑" pitchFamily="34" charset="-122"/>
-                <a:sym typeface="微软雅黑" pitchFamily="34" charset="-122"/>
-              </a:rPr>
-              <a:t>数据结构</a:t>
-            </a:r>
-            <a:endParaRPr lang="en-US" altLang="zh-CN" sz="2100" b="1" dirty="0" smtClean="0">
-              <a:solidFill>
-                <a:srgbClr val="E6F5E1"/>
-              </a:solidFill>
-              <a:latin typeface="微软雅黑" pitchFamily="34" charset="-122"/>
-              <a:ea typeface="微软雅黑" pitchFamily="34" charset="-122"/>
-              <a:sym typeface="微软雅黑" pitchFamily="34" charset="-122"/>
-            </a:endParaRPr>
-          </a:p>
-        </p:txBody>
-      </p:sp>
-      <p:sp>
-        <p:nvSpPr>
-          <p:cNvPr id="22" name="矩形 21"/>
-          <p:cNvSpPr>
-            <a:spLocks noChangeArrowheads="1"/>
-          </p:cNvSpPr>
-          <p:nvPr/>
-        </p:nvSpPr>
-        <p:spPr bwMode="auto">
-          <a:xfrm>
-            <a:off x="2629812" y="-15875"/>
+            <a:off x="1296657" y="-3815"/>
             <a:ext cx="1276350" cy="549275"/>
           </a:xfrm>
           <a:prstGeom prst="rect">
@@ -13963,7 +13815,7 @@
                 <a:ea typeface="微软雅黑" pitchFamily="34" charset="-122"/>
                 <a:sym typeface="微软雅黑" pitchFamily="34" charset="-122"/>
               </a:rPr>
-              <a:t>进程管理</a:t>
+              <a:t>数据结构</a:t>
             </a:r>
             <a:endParaRPr lang="zh-CN" sz="1500" b="1" dirty="0">
               <a:solidFill>
@@ -13986,7 +13838,7 @@
         </p:nvSpPr>
         <p:spPr bwMode="auto">
           <a:xfrm>
-            <a:off x="3943695" y="-14402"/>
+            <a:off x="3889971" y="0"/>
             <a:ext cx="1276350" cy="549275"/>
           </a:xfrm>
           <a:prstGeom prst="rect">
@@ -14032,9 +13884,73 @@
           </a:p>
         </p:txBody>
       </p:sp>
+      <p:sp>
+        <p:nvSpPr>
+          <p:cNvPr id="11" name="矩形 6"/>
+          <p:cNvSpPr>
+            <a:spLocks noChangeArrowheads="1"/>
+          </p:cNvSpPr>
+          <p:nvPr/>
+        </p:nvSpPr>
+        <p:spPr bwMode="auto">
+          <a:xfrm>
+            <a:off x="2593314" y="-3815"/>
+            <a:ext cx="1276350" cy="836613"/>
+          </a:xfrm>
+          <a:prstGeom prst="rect">
+            <a:avLst/>
+          </a:prstGeom>
+          <a:solidFill>
+            <a:srgbClr val="19B4DC"/>
+          </a:solidFill>
+          <a:ln w="9525">
+            <a:noFill/>
+            <a:miter lim="800000"/>
+            <a:headEnd/>
+            <a:tailEnd/>
+          </a:ln>
+        </p:spPr>
+        <p:txBody>
+          <a:bodyPr lIns="90170" tIns="46990" rIns="90170" bIns="46990" anchor="ctr"/>
+          <a:lstStyle/>
+          <a:p>
+            <a:pPr algn="ctr" eaLnBrk="1" hangingPunct="1"/>
+            <a:r>
+              <a:rPr lang="zh-CN" altLang="en-US" sz="2000" b="1" dirty="0">
+                <a:solidFill>
+                  <a:srgbClr val="FFFFFF"/>
+                </a:solidFill>
+                <a:latin typeface="微软雅黑" pitchFamily="34" charset="-122"/>
+                <a:ea typeface="微软雅黑" pitchFamily="34" charset="-122"/>
+                <a:sym typeface="微软雅黑" pitchFamily="34" charset="-122"/>
+              </a:rPr>
+              <a:t>进程</a:t>
+            </a:r>
+            <a:r>
+              <a:rPr lang="zh-CN" altLang="en-US" sz="2000" b="1" dirty="0" smtClean="0">
+                <a:solidFill>
+                  <a:srgbClr val="FFFFFF"/>
+                </a:solidFill>
+                <a:latin typeface="微软雅黑" pitchFamily="34" charset="-122"/>
+                <a:ea typeface="微软雅黑" pitchFamily="34" charset="-122"/>
+                <a:sym typeface="微软雅黑" pitchFamily="34" charset="-122"/>
+              </a:rPr>
+              <a:t>管理</a:t>
+            </a:r>
+            <a:endParaRPr lang="en-US" altLang="zh-CN" sz="2000" b="1" dirty="0">
+              <a:solidFill>
+                <a:srgbClr val="E6F5E1"/>
+              </a:solidFill>
+              <a:latin typeface="微软雅黑" pitchFamily="34" charset="-122"/>
+              <a:ea typeface="微软雅黑" pitchFamily="34" charset="-122"/>
+              <a:sym typeface="微软雅黑" pitchFamily="34" charset="-122"/>
+            </a:endParaRPr>
+          </a:p>
+        </p:txBody>
+      </p:sp>
       <p:pic>
         <p:nvPicPr>
-          <p:cNvPr id="10" name="图片 9" descr="http://upload-images.jianshu.io/upload_images/1858589-af6c22c3df9bfcd8.png?imageMogr2/auto-orient/strip%7CimageView2/2/w/1240"/>
+          <p:cNvPr id="13" name="图片 12" descr="https://img-blog.csdnimg.cn/20190111163144746.png?x-oss-process=image/watermark,type_ZmFuZ3poZW5naGVpdGk,shadow_10,text_aHR0cHM6Ly9ibG9nLmNzZG4ubmV0L3FxXzI2OTg0MDg3,size_16,color_FFFFFF,t_70"/>
           <p:cNvPicPr/>
           <p:nvPr/>
         </p:nvPicPr>
@@ -14051,10 +13967,10 @@
             <a:fillRect/>
           </a:stretch>
         </p:blipFill>
-        <p:spPr>
+        <p:spPr bwMode="auto">
           <a:xfrm>
-            <a:off x="600987" y="801005"/>
-            <a:ext cx="6610350" cy="2838450"/>
+            <a:off x="1934832" y="924788"/>
+            <a:ext cx="4320300" cy="5328370"/>
           </a:xfrm>
           <a:prstGeom prst="rect">
             <a:avLst/>
@@ -14065,43 +13981,10 @@
           </a:ln>
         </p:spPr>
       </p:pic>
-      <p:pic>
-        <p:nvPicPr>
-          <p:cNvPr id="12" name="图片 11" descr="http://upload-images.jianshu.io/upload_images/1858589-e599f522e8b9e78c.png?imageMogr2/auto-orient/strip%7CimageView2/2/w/1240"/>
-          <p:cNvPicPr/>
-          <p:nvPr/>
-        </p:nvPicPr>
-        <p:blipFill>
-          <a:blip r:embed="rId4">
-            <a:extLst>
-              <a:ext uri="{28A0092B-C50C-407E-A947-70E740481C1C}">
-                <a14:useLocalDpi xmlns:a14="http://schemas.microsoft.com/office/drawing/2010/main" val="0"/>
-              </a:ext>
-            </a:extLst>
-          </a:blip>
-          <a:srcRect/>
-          <a:stretch>
-            <a:fillRect/>
-          </a:stretch>
-        </p:blipFill>
-        <p:spPr>
-          <a:xfrm>
-            <a:off x="742950" y="3686651"/>
-            <a:ext cx="6619875" cy="2857500"/>
-          </a:xfrm>
-          <a:prstGeom prst="rect">
-            <a:avLst/>
-          </a:prstGeom>
-          <a:noFill/>
-          <a:ln>
-            <a:noFill/>
-          </a:ln>
-        </p:spPr>
-      </p:pic>
     </p:spTree>
     <p:extLst>
       <p:ext uri="{BB962C8B-B14F-4D97-AF65-F5344CB8AC3E}">
-        <p14:creationId xmlns:p14="http://schemas.microsoft.com/office/powerpoint/2010/main" val="347194180"/>
+        <p14:creationId xmlns:p14="http://schemas.microsoft.com/office/powerpoint/2010/main" val="29238576"/>
       </p:ext>
     </p:extLst>
   </p:cSld>
@@ -14506,7 +14389,7 @@
       </p:sp>
       <p:pic>
         <p:nvPicPr>
-          <p:cNvPr id="13" name="图片 12" descr="https://img-blog.csdnimg.cn/20190111163144746.png?x-oss-process=image/watermark,type_ZmFuZ3poZW5naGVpdGk,shadow_10,text_aHR0cHM6Ly9ibG9nLmNzZG4ubmV0L3FxXzI2OTg0MDg3,size_16,color_FFFFFF,t_70"/>
+          <p:cNvPr id="10" name="图片 9" descr="C:\Users\key\AppData\Local\YNote\data\keyguansz@163.com\9de81ae46a1746a783edc0082bb091ae\424424-20160111134839507-1925938998.png"/>
           <p:cNvPicPr/>
           <p:nvPr/>
         </p:nvPicPr>
@@ -14525,8 +14408,8 @@
         </p:blipFill>
         <p:spPr bwMode="auto">
           <a:xfrm>
-            <a:off x="1934832" y="924788"/>
-            <a:ext cx="4320300" cy="5328370"/>
+            <a:off x="2411850" y="1377512"/>
+            <a:ext cx="3744260" cy="4464312"/>
           </a:xfrm>
           <a:prstGeom prst="rect">
             <a:avLst/>
@@ -14540,7 +14423,7 @@
     </p:spTree>
     <p:extLst>
       <p:ext uri="{BB962C8B-B14F-4D97-AF65-F5344CB8AC3E}">
-        <p14:creationId xmlns:p14="http://schemas.microsoft.com/office/powerpoint/2010/main" val="29238576"/>
+        <p14:creationId xmlns:p14="http://schemas.microsoft.com/office/powerpoint/2010/main" val="337273949"/>
       </p:ext>
     </p:extLst>
   </p:cSld>
@@ -14693,7 +14576,7 @@
               <a:buNone/>
             </a:pPr>
             <a:r>
-              <a:rPr lang="zh-CN" altLang="en-US" sz="2400" b="1" dirty="0">
+              <a:rPr lang="zh-CN" altLang="en-US" sz="2400" b="1" dirty="0" smtClean="0">
                 <a:solidFill>
                   <a:srgbClr val="FFC68D"/>
                 </a:solidFill>
@@ -14703,14 +14586,17 @@
               </a:rPr>
               <a:t>创建</a:t>
             </a:r>
-            <a:endParaRPr lang="en-US" altLang="zh-CN" sz="2400" b="1" dirty="0" smtClean="0">
-              <a:solidFill>
-                <a:srgbClr val="FFC68D"/>
-              </a:solidFill>
-              <a:latin typeface="黑体" pitchFamily="49" charset="-122"/>
-              <a:ea typeface="黑体" pitchFamily="49" charset="-122"/>
-              <a:sym typeface="黑体" pitchFamily="49" charset="-122"/>
-            </a:endParaRPr>
+            <a:r>
+              <a:rPr lang="en-US" altLang="zh-CN" sz="2400" b="1" dirty="0" smtClean="0">
+                <a:solidFill>
+                  <a:srgbClr val="FFC68D"/>
+                </a:solidFill>
+                <a:latin typeface="黑体" pitchFamily="49" charset="-122"/>
+                <a:ea typeface="黑体" pitchFamily="49" charset="-122"/>
+                <a:sym typeface="黑体" pitchFamily="49" charset="-122"/>
+              </a:rPr>
+              <a:t>hook</a:t>
+            </a:r>
           </a:p>
         </p:txBody>
       </p:sp>
@@ -14945,41 +14831,32 @@
       </p:sp>
       <p:pic>
         <p:nvPicPr>
-          <p:cNvPr id="10" name="图片 9" descr="C:\Users\key\AppData\Local\YNote\data\keyguansz@163.com\9de81ae46a1746a783edc0082bb091ae\424424-20160111134839507-1925938998.png"/>
-          <p:cNvPicPr/>
+          <p:cNvPr id="2" name="图片 1"/>
+          <p:cNvPicPr>
+            <a:picLocks noChangeAspect="1"/>
+          </p:cNvPicPr>
           <p:nvPr/>
         </p:nvPicPr>
         <p:blipFill>
-          <a:blip r:embed="rId3">
-            <a:extLst>
-              <a:ext uri="{28A0092B-C50C-407E-A947-70E740481C1C}">
-                <a14:useLocalDpi xmlns:a14="http://schemas.microsoft.com/office/drawing/2010/main" val="0"/>
-              </a:ext>
-            </a:extLst>
-          </a:blip>
-          <a:srcRect/>
+          <a:blip r:embed="rId3"/>
           <a:stretch>
             <a:fillRect/>
           </a:stretch>
         </p:blipFill>
-        <p:spPr bwMode="auto">
+        <p:spPr>
           <a:xfrm>
-            <a:off x="2411850" y="1377512"/>
-            <a:ext cx="3744260" cy="4464312"/>
+            <a:off x="1179545" y="1171209"/>
+            <a:ext cx="6153150" cy="4762500"/>
           </a:xfrm>
           <a:prstGeom prst="rect">
             <a:avLst/>
           </a:prstGeom>
-          <a:noFill/>
-          <a:ln>
-            <a:noFill/>
-          </a:ln>
         </p:spPr>
       </p:pic>
     </p:spTree>
     <p:extLst>
       <p:ext uri="{BB962C8B-B14F-4D97-AF65-F5344CB8AC3E}">
-        <p14:creationId xmlns:p14="http://schemas.microsoft.com/office/powerpoint/2010/main" val="337273949"/>
+        <p14:creationId xmlns:p14="http://schemas.microsoft.com/office/powerpoint/2010/main" val="3688327553"/>
       </p:ext>
     </p:extLst>
   </p:cSld>
@@ -15140,7 +15017,7 @@
                 <a:ea typeface="黑体" pitchFamily="49" charset="-122"/>
                 <a:sym typeface="黑体" pitchFamily="49" charset="-122"/>
               </a:rPr>
-              <a:t>创建</a:t>
+              <a:t>监控</a:t>
             </a:r>
             <a:r>
               <a:rPr lang="en-US" altLang="zh-CN" sz="2400" b="1" dirty="0" smtClean="0">
@@ -15151,7 +15028,7 @@
                 <a:ea typeface="黑体" pitchFamily="49" charset="-122"/>
                 <a:sym typeface="黑体" pitchFamily="49" charset="-122"/>
               </a:rPr>
-              <a:t>hook</a:t>
+              <a:t>ANR</a:t>
             </a:r>
           </a:p>
         </p:txBody>
@@ -15387,10 +15264,8 @@
       </p:sp>
       <p:pic>
         <p:nvPicPr>
-          <p:cNvPr id="2" name="图片 1"/>
-          <p:cNvPicPr>
-            <a:picLocks noChangeAspect="1"/>
-          </p:cNvPicPr>
+          <p:cNvPr id="10" name="图片 9"/>
+          <p:cNvPicPr/>
           <p:nvPr/>
         </p:nvPicPr>
         <p:blipFill>
@@ -15401,8 +15276,8 @@
         </p:blipFill>
         <p:spPr>
           <a:xfrm>
-            <a:off x="1179545" y="1171209"/>
-            <a:ext cx="6153150" cy="4762500"/>
+            <a:off x="1175832" y="1248723"/>
+            <a:ext cx="6912480" cy="4896340"/>
           </a:xfrm>
           <a:prstGeom prst="rect">
             <a:avLst/>
@@ -15412,7 +15287,7 @@
     </p:spTree>
     <p:extLst>
       <p:ext uri="{BB962C8B-B14F-4D97-AF65-F5344CB8AC3E}">
-        <p14:creationId xmlns:p14="http://schemas.microsoft.com/office/powerpoint/2010/main" val="3688327553"/>
+        <p14:creationId xmlns:p14="http://schemas.microsoft.com/office/powerpoint/2010/main" val="1359869274"/>
       </p:ext>
     </p:extLst>
   </p:cSld>
@@ -15540,7 +15415,7 @@
         <p:spPr bwMode="auto">
           <a:xfrm>
             <a:off x="7362825" y="117475"/>
-            <a:ext cx="1450975" cy="461665"/>
+            <a:ext cx="1450975" cy="830997"/>
           </a:xfrm>
           <a:prstGeom prst="rect">
             <a:avLst/>
@@ -15573,19 +15448,16 @@
                 <a:ea typeface="黑体" pitchFamily="49" charset="-122"/>
                 <a:sym typeface="黑体" pitchFamily="49" charset="-122"/>
               </a:rPr>
-              <a:t>监控</a:t>
-            </a:r>
-            <a:r>
-              <a:rPr lang="en-US" altLang="zh-CN" sz="2400" b="1" dirty="0" smtClean="0">
-                <a:solidFill>
-                  <a:srgbClr val="FFC68D"/>
-                </a:solidFill>
-                <a:latin typeface="黑体" pitchFamily="49" charset="-122"/>
-                <a:ea typeface="黑体" pitchFamily="49" charset="-122"/>
-                <a:sym typeface="黑体" pitchFamily="49" charset="-122"/>
-              </a:rPr>
-              <a:t>ANR</a:t>
-            </a:r>
+              <a:t>监控屏幕方向</a:t>
+            </a:r>
+            <a:endParaRPr lang="en-US" altLang="zh-CN" sz="2400" b="1" dirty="0" smtClean="0">
+              <a:solidFill>
+                <a:srgbClr val="FFC68D"/>
+              </a:solidFill>
+              <a:latin typeface="黑体" pitchFamily="49" charset="-122"/>
+              <a:ea typeface="黑体" pitchFamily="49" charset="-122"/>
+              <a:sym typeface="黑体" pitchFamily="49" charset="-122"/>
+            </a:endParaRPr>
           </a:p>
         </p:txBody>
       </p:sp>
@@ -15820,30 +15692,41 @@
       </p:sp>
       <p:pic>
         <p:nvPicPr>
-          <p:cNvPr id="10" name="图片 9"/>
+          <p:cNvPr id="12" name="图片 11" descr="C:\Users\key\Desktop\pic.png"/>
           <p:cNvPicPr/>
           <p:nvPr/>
         </p:nvPicPr>
         <p:blipFill>
-          <a:blip r:embed="rId3"/>
+          <a:blip r:embed="rId3">
+            <a:extLst>
+              <a:ext uri="{28A0092B-C50C-407E-A947-70E740481C1C}">
+                <a14:useLocalDpi xmlns:a14="http://schemas.microsoft.com/office/drawing/2010/main" val="0"/>
+              </a:ext>
+            </a:extLst>
+          </a:blip>
+          <a:srcRect/>
           <a:stretch>
             <a:fillRect/>
           </a:stretch>
         </p:blipFill>
-        <p:spPr>
+        <p:spPr bwMode="auto">
           <a:xfrm>
-            <a:off x="1175832" y="1248723"/>
-            <a:ext cx="6912480" cy="4896340"/>
+            <a:off x="2016125" y="882237"/>
+            <a:ext cx="5222875" cy="5460365"/>
           </a:xfrm>
           <a:prstGeom prst="rect">
             <a:avLst/>
           </a:prstGeom>
+          <a:noFill/>
+          <a:ln>
+            <a:noFill/>
+          </a:ln>
         </p:spPr>
       </p:pic>
     </p:spTree>
     <p:extLst>
       <p:ext uri="{BB962C8B-B14F-4D97-AF65-F5344CB8AC3E}">
-        <p14:creationId xmlns:p14="http://schemas.microsoft.com/office/powerpoint/2010/main" val="1359869274"/>
+        <p14:creationId xmlns:p14="http://schemas.microsoft.com/office/powerpoint/2010/main" val="1824278186"/>
       </p:ext>
     </p:extLst>
   </p:cSld>
@@ -16248,41 +16131,32 @@
       </p:sp>
       <p:pic>
         <p:nvPicPr>
-          <p:cNvPr id="12" name="图片 11" descr="C:\Users\key\Desktop\pic.png"/>
-          <p:cNvPicPr/>
+          <p:cNvPr id="2" name="图片 1"/>
+          <p:cNvPicPr>
+            <a:picLocks noChangeAspect="1"/>
+          </p:cNvPicPr>
           <p:nvPr/>
         </p:nvPicPr>
         <p:blipFill>
-          <a:blip r:embed="rId3">
-            <a:extLst>
-              <a:ext uri="{28A0092B-C50C-407E-A947-70E740481C1C}">
-                <a14:useLocalDpi xmlns:a14="http://schemas.microsoft.com/office/drawing/2010/main" val="0"/>
-              </a:ext>
-            </a:extLst>
-          </a:blip>
-          <a:srcRect/>
+          <a:blip r:embed="rId3"/>
           <a:stretch>
             <a:fillRect/>
           </a:stretch>
         </p:blipFill>
-        <p:spPr bwMode="auto">
+        <p:spPr>
           <a:xfrm>
-            <a:off x="2016125" y="882237"/>
-            <a:ext cx="5222875" cy="5460365"/>
+            <a:off x="914586" y="1248723"/>
+            <a:ext cx="7314828" cy="4360554"/>
           </a:xfrm>
           <a:prstGeom prst="rect">
             <a:avLst/>
           </a:prstGeom>
-          <a:noFill/>
-          <a:ln>
-            <a:noFill/>
-          </a:ln>
         </p:spPr>
       </p:pic>
     </p:spTree>
     <p:extLst>
       <p:ext uri="{BB962C8B-B14F-4D97-AF65-F5344CB8AC3E}">
-        <p14:creationId xmlns:p14="http://schemas.microsoft.com/office/powerpoint/2010/main" val="1824278186"/>
+        <p14:creationId xmlns:p14="http://schemas.microsoft.com/office/powerpoint/2010/main" val="2575761029"/>
       </p:ext>
     </p:extLst>
   </p:cSld>
@@ -16410,7 +16284,7 @@
         <p:spPr bwMode="auto">
           <a:xfrm>
             <a:off x="7362825" y="117475"/>
-            <a:ext cx="1450975" cy="830997"/>
+            <a:ext cx="1450975" cy="461665"/>
           </a:xfrm>
           <a:prstGeom prst="rect">
             <a:avLst/>
@@ -16443,7 +16317,7 @@
                 <a:ea typeface="黑体" pitchFamily="49" charset="-122"/>
                 <a:sym typeface="黑体" pitchFamily="49" charset="-122"/>
               </a:rPr>
-              <a:t>监控屏幕方向</a:t>
+              <a:t>调度</a:t>
             </a:r>
             <a:endParaRPr lang="en-US" altLang="zh-CN" sz="2400" b="1" dirty="0" smtClean="0">
               <a:solidFill>
@@ -16701,8 +16575,8 @@
         </p:blipFill>
         <p:spPr>
           <a:xfrm>
-            <a:off x="914586" y="1248723"/>
-            <a:ext cx="7314828" cy="4360554"/>
+            <a:off x="1266825" y="1776412"/>
+            <a:ext cx="6610350" cy="3305175"/>
           </a:xfrm>
           <a:prstGeom prst="rect">
             <a:avLst/>
@@ -16712,7 +16586,7 @@
     </p:spTree>
     <p:extLst>
       <p:ext uri="{BB962C8B-B14F-4D97-AF65-F5344CB8AC3E}">
-        <p14:creationId xmlns:p14="http://schemas.microsoft.com/office/powerpoint/2010/main" val="2575761029"/>
+        <p14:creationId xmlns:p14="http://schemas.microsoft.com/office/powerpoint/2010/main" val="3631014639"/>
       </p:ext>
     </p:extLst>
   </p:cSld>
@@ -17117,22 +16991,53 @@
       </p:sp>
       <p:pic>
         <p:nvPicPr>
-          <p:cNvPr id="2" name="图片 1"/>
-          <p:cNvPicPr>
-            <a:picLocks noChangeAspect="1"/>
-          </p:cNvPicPr>
+          <p:cNvPr id="10" name="图片 9" descr="lmk_adj"/>
+          <p:cNvPicPr/>
           <p:nvPr/>
         </p:nvPicPr>
         <p:blipFill>
-          <a:blip r:embed="rId3"/>
+          <a:blip r:embed="rId3">
+            <a:extLst>
+              <a:ext uri="{28A0092B-C50C-407E-A947-70E740481C1C}">
+                <a14:useLocalDpi xmlns:a14="http://schemas.microsoft.com/office/drawing/2010/main" val="0"/>
+              </a:ext>
+            </a:extLst>
+          </a:blip>
+          <a:srcRect/>
+          <a:stretch>
+            <a:fillRect/>
+          </a:stretch>
+        </p:blipFill>
+        <p:spPr bwMode="auto">
+          <a:xfrm>
+            <a:off x="170484" y="1319367"/>
+            <a:ext cx="4805045" cy="4391025"/>
+          </a:xfrm>
+          <a:prstGeom prst="rect">
+            <a:avLst/>
+          </a:prstGeom>
+          <a:noFill/>
+          <a:ln>
+            <a:noFill/>
+          </a:ln>
+        </p:spPr>
+      </p:pic>
+      <p:pic>
+        <p:nvPicPr>
+          <p:cNvPr id="12" name="图片 11"/>
+          <p:cNvPicPr/>
+          <p:nvPr/>
+        </p:nvPicPr>
+        <p:blipFill>
+          <a:blip r:embed="rId4"/>
           <a:stretch>
             <a:fillRect/>
           </a:stretch>
         </p:blipFill>
         <p:spPr>
           <a:xfrm>
-            <a:off x="1266825" y="1776412"/>
-            <a:ext cx="6610350" cy="3305175"/>
+            <a:off x="4789347" y="2451955"/>
+            <a:ext cx="4349891" cy="2468044"/>
           </a:xfrm>
           <a:prstGeom prst="rect">
             <a:avLst/>
@@ -17142,7 +17047,7 @@
     </p:spTree>
     <p:extLst>
       <p:ext uri="{BB962C8B-B14F-4D97-AF65-F5344CB8AC3E}">
-        <p14:creationId xmlns:p14="http://schemas.microsoft.com/office/powerpoint/2010/main" val="3631014639"/>
+        <p14:creationId xmlns:p14="http://schemas.microsoft.com/office/powerpoint/2010/main" val="1779054541"/>
       </p:ext>
     </p:extLst>
   </p:cSld>
@@ -17270,7 +17175,7 @@
         <p:spPr bwMode="auto">
           <a:xfrm>
             <a:off x="7362825" y="117475"/>
-            <a:ext cx="1450975" cy="461665"/>
+            <a:ext cx="1450975" cy="830997"/>
           </a:xfrm>
           <a:prstGeom prst="rect">
             <a:avLst/>
@@ -17304,6 +17209,28 @@
                 <a:sym typeface="黑体" pitchFamily="49" charset="-122"/>
               </a:rPr>
               <a:t>调度</a:t>
+            </a:r>
+            <a:r>
+              <a:rPr lang="en-US" altLang="zh-CN" sz="2400" b="1" dirty="0" smtClean="0">
+                <a:solidFill>
+                  <a:srgbClr val="FFC68D"/>
+                </a:solidFill>
+                <a:latin typeface="黑体" pitchFamily="49" charset="-122"/>
+                <a:ea typeface="黑体" pitchFamily="49" charset="-122"/>
+                <a:sym typeface="黑体" pitchFamily="49" charset="-122"/>
+              </a:rPr>
+              <a:t>AOA</a:t>
+            </a:r>
+            <a:r>
+              <a:rPr lang="zh-CN" altLang="en-US" sz="2400" b="1" dirty="0" smtClean="0">
+                <a:solidFill>
+                  <a:srgbClr val="FFC68D"/>
+                </a:solidFill>
+                <a:latin typeface="黑体" pitchFamily="49" charset="-122"/>
+                <a:ea typeface="黑体" pitchFamily="49" charset="-122"/>
+                <a:sym typeface="黑体" pitchFamily="49" charset="-122"/>
+              </a:rPr>
+              <a:t>问题</a:t>
             </a:r>
             <a:endParaRPr lang="en-US" altLang="zh-CN" sz="2400" b="1" dirty="0" smtClean="0">
               <a:solidFill>
@@ -17547,53 +17474,22 @@
       </p:sp>
       <p:pic>
         <p:nvPicPr>
-          <p:cNvPr id="10" name="图片 9" descr="lmk_adj"/>
-          <p:cNvPicPr/>
+          <p:cNvPr id="2" name="图片 1"/>
+          <p:cNvPicPr>
+            <a:picLocks noChangeAspect="1"/>
+          </p:cNvPicPr>
           <p:nvPr/>
         </p:nvPicPr>
         <p:blipFill>
-          <a:blip r:embed="rId3">
-            <a:extLst>
-              <a:ext uri="{28A0092B-C50C-407E-A947-70E740481C1C}">
-                <a14:useLocalDpi xmlns:a14="http://schemas.microsoft.com/office/drawing/2010/main" val="0"/>
-              </a:ext>
-            </a:extLst>
-          </a:blip>
-          <a:srcRect/>
-          <a:stretch>
-            <a:fillRect/>
-          </a:stretch>
-        </p:blipFill>
-        <p:spPr bwMode="auto">
-          <a:xfrm>
-            <a:off x="170484" y="1319367"/>
-            <a:ext cx="4805045" cy="4391025"/>
-          </a:xfrm>
-          <a:prstGeom prst="rect">
-            <a:avLst/>
-          </a:prstGeom>
-          <a:noFill/>
-          <a:ln>
-            <a:noFill/>
-          </a:ln>
-        </p:spPr>
-      </p:pic>
-      <p:pic>
-        <p:nvPicPr>
-          <p:cNvPr id="12" name="图片 11"/>
-          <p:cNvPicPr/>
-          <p:nvPr/>
-        </p:nvPicPr>
-        <p:blipFill>
-          <a:blip r:embed="rId4"/>
+          <a:blip r:embed="rId3"/>
           <a:stretch>
             <a:fillRect/>
           </a:stretch>
         </p:blipFill>
         <p:spPr>
           <a:xfrm>
-            <a:off x="4789347" y="2451955"/>
-            <a:ext cx="4349891" cy="2468044"/>
+            <a:off x="107690" y="749867"/>
+            <a:ext cx="9144000" cy="5661478"/>
           </a:xfrm>
           <a:prstGeom prst="rect">
             <a:avLst/>
@@ -17603,7 +17499,7 @@
     </p:spTree>
     <p:extLst>
       <p:ext uri="{BB962C8B-B14F-4D97-AF65-F5344CB8AC3E}">
-        <p14:creationId xmlns:p14="http://schemas.microsoft.com/office/powerpoint/2010/main" val="1779054541"/>
+        <p14:creationId xmlns:p14="http://schemas.microsoft.com/office/powerpoint/2010/main" val="1806135090"/>
       </p:ext>
     </p:extLst>
   </p:cSld>
@@ -18182,7 +18078,7 @@
       </p:sp>
       <p:pic>
         <p:nvPicPr>
-          <p:cNvPr id="2" name="图片 1"/>
+          <p:cNvPr id="3" name="图片 2"/>
           <p:cNvPicPr>
             <a:picLocks noChangeAspect="1"/>
           </p:cNvPicPr>
@@ -18196,8 +18092,8 @@
         </p:blipFill>
         <p:spPr>
           <a:xfrm>
-            <a:off x="107690" y="749867"/>
-            <a:ext cx="9144000" cy="5661478"/>
+            <a:off x="1547790" y="1432719"/>
+            <a:ext cx="5248275" cy="4267200"/>
           </a:xfrm>
           <a:prstGeom prst="rect">
             <a:avLst/>
@@ -18207,7 +18103,7 @@
     </p:spTree>
     <p:extLst>
       <p:ext uri="{BB962C8B-B14F-4D97-AF65-F5344CB8AC3E}">
-        <p14:creationId xmlns:p14="http://schemas.microsoft.com/office/powerpoint/2010/main" val="1806135090"/>
+        <p14:creationId xmlns:p14="http://schemas.microsoft.com/office/powerpoint/2010/main" val="2214238165"/>
       </p:ext>
     </p:extLst>
   </p:cSld>
@@ -18634,7 +18530,7 @@
       </p:sp>
       <p:pic>
         <p:nvPicPr>
-          <p:cNvPr id="3" name="图片 2"/>
+          <p:cNvPr id="2" name="图片 1"/>
           <p:cNvPicPr>
             <a:picLocks noChangeAspect="1"/>
           </p:cNvPicPr>
@@ -18648,8 +18544,8 @@
         </p:blipFill>
         <p:spPr>
           <a:xfrm>
-            <a:off x="1547790" y="1432719"/>
-            <a:ext cx="5248275" cy="4267200"/>
+            <a:off x="1585811" y="1059479"/>
+            <a:ext cx="4608320" cy="5013680"/>
           </a:xfrm>
           <a:prstGeom prst="rect">
             <a:avLst/>
@@ -18659,7 +18555,7 @@
     </p:spTree>
     <p:extLst>
       <p:ext uri="{BB962C8B-B14F-4D97-AF65-F5344CB8AC3E}">
-        <p14:creationId xmlns:p14="http://schemas.microsoft.com/office/powerpoint/2010/main" val="2214238165"/>
+        <p14:creationId xmlns:p14="http://schemas.microsoft.com/office/powerpoint/2010/main" val="2378740638"/>
       </p:ext>
     </p:extLst>
   </p:cSld>
@@ -18951,7 +18847,7 @@
                 <a:ea typeface="微软雅黑" pitchFamily="34" charset="-122"/>
                 <a:sym typeface="微软雅黑" pitchFamily="34" charset="-122"/>
               </a:rPr>
-              <a:t>数据结构</a:t>
+              <a:t>进数据结构</a:t>
             </a:r>
             <a:endParaRPr lang="zh-CN" sz="1500" b="1" dirty="0">
               <a:solidFill>
@@ -19086,7 +18982,7 @@
       </p:sp>
       <p:pic>
         <p:nvPicPr>
-          <p:cNvPr id="2" name="图片 1"/>
+          <p:cNvPr id="3" name="图片 2"/>
           <p:cNvPicPr>
             <a:picLocks noChangeAspect="1"/>
           </p:cNvPicPr>
@@ -19100,18 +18996,42 @@
         </p:blipFill>
         <p:spPr>
           <a:xfrm>
-            <a:off x="1585811" y="1059479"/>
-            <a:ext cx="4608320" cy="5013680"/>
+            <a:off x="107690" y="1274040"/>
+            <a:ext cx="1590675" cy="3810000"/>
           </a:xfrm>
           <a:prstGeom prst="rect">
             <a:avLst/>
           </a:prstGeom>
         </p:spPr>
       </p:pic>
+      <p:pic>
+        <p:nvPicPr>
+          <p:cNvPr id="4" name="图片 3"/>
+          <p:cNvPicPr>
+            <a:picLocks noChangeAspect="1"/>
+          </p:cNvPicPr>
+          <p:nvPr/>
+        </p:nvPicPr>
+        <p:blipFill>
+          <a:blip r:embed="rId4"/>
+          <a:stretch>
+            <a:fillRect/>
+          </a:stretch>
+        </p:blipFill>
+        <p:spPr>
+          <a:xfrm>
+            <a:off x="3378352" y="948472"/>
+            <a:ext cx="3991940" cy="5156002"/>
+          </a:xfrm>
+          <a:prstGeom prst="rect">
+            <a:avLst/>
+          </a:prstGeom>
+        </p:spPr>
+      </p:pic>
     </p:spTree>
     <p:extLst>
       <p:ext uri="{BB962C8B-B14F-4D97-AF65-F5344CB8AC3E}">
-        <p14:creationId xmlns:p14="http://schemas.microsoft.com/office/powerpoint/2010/main" val="2378740638"/>
+        <p14:creationId xmlns:p14="http://schemas.microsoft.com/office/powerpoint/2010/main" val="3158275590"/>
       </p:ext>
     </p:extLst>
   </p:cSld>
@@ -19264,7 +19184,7 @@
               <a:buNone/>
             </a:pPr>
             <a:r>
-              <a:rPr lang="zh-CN" altLang="en-US" sz="2400" b="1" dirty="0" smtClean="0">
+              <a:rPr lang="zh-CN" altLang="en-US" sz="2400" b="1" dirty="0">
                 <a:solidFill>
                   <a:srgbClr val="FFC68D"/>
                 </a:solidFill>
@@ -19272,10 +19192,10 @@
                 <a:ea typeface="黑体" pitchFamily="49" charset="-122"/>
                 <a:sym typeface="黑体" pitchFamily="49" charset="-122"/>
               </a:rPr>
-              <a:t>调度</a:t>
-            </a:r>
-            <a:r>
-              <a:rPr lang="en-US" altLang="zh-CN" sz="2400" b="1" dirty="0" smtClean="0">
+              <a:t>前</a:t>
+            </a:r>
+            <a:r>
+              <a:rPr lang="zh-CN" altLang="en-US" sz="2400" b="1" dirty="0" smtClean="0">
                 <a:solidFill>
                   <a:srgbClr val="FFC68D"/>
                 </a:solidFill>
@@ -19283,18 +19203,7 @@
                 <a:ea typeface="黑体" pitchFamily="49" charset="-122"/>
                 <a:sym typeface="黑体" pitchFamily="49" charset="-122"/>
               </a:rPr>
-              <a:t>AOA</a:t>
-            </a:r>
-            <a:r>
-              <a:rPr lang="zh-CN" altLang="en-US" sz="2400" b="1" dirty="0" smtClean="0">
-                <a:solidFill>
-                  <a:srgbClr val="FFC68D"/>
-                </a:solidFill>
-                <a:latin typeface="黑体" pitchFamily="49" charset="-122"/>
-                <a:ea typeface="黑体" pitchFamily="49" charset="-122"/>
-                <a:sym typeface="黑体" pitchFamily="49" charset="-122"/>
-              </a:rPr>
-              <a:t>问题</a:t>
+              <a:t>后台判断</a:t>
             </a:r>
             <a:endParaRPr lang="en-US" altLang="zh-CN" sz="2400" b="1" dirty="0" smtClean="0">
               <a:solidFill>
@@ -19538,7 +19447,7 @@
       </p:sp>
       <p:pic>
         <p:nvPicPr>
-          <p:cNvPr id="3" name="图片 2"/>
+          <p:cNvPr id="2" name="图片 1"/>
           <p:cNvPicPr>
             <a:picLocks noChangeAspect="1"/>
           </p:cNvPicPr>
@@ -19552,42 +19461,18 @@
         </p:blipFill>
         <p:spPr>
           <a:xfrm>
-            <a:off x="107690" y="1274040"/>
-            <a:ext cx="1590675" cy="3810000"/>
+            <a:off x="1978951" y="2060905"/>
+            <a:ext cx="3781425" cy="1895475"/>
           </a:xfrm>
           <a:prstGeom prst="rect">
             <a:avLst/>
           </a:prstGeom>
         </p:spPr>
       </p:pic>
-      <p:pic>
-        <p:nvPicPr>
-          <p:cNvPr id="4" name="图片 3"/>
-          <p:cNvPicPr>
-            <a:picLocks noChangeAspect="1"/>
-          </p:cNvPicPr>
-          <p:nvPr/>
-        </p:nvPicPr>
-        <p:blipFill>
-          <a:blip r:embed="rId4"/>
-          <a:stretch>
-            <a:fillRect/>
-          </a:stretch>
-        </p:blipFill>
-        <p:spPr>
-          <a:xfrm>
-            <a:off x="3378352" y="948472"/>
-            <a:ext cx="3991940" cy="5156002"/>
-          </a:xfrm>
-          <a:prstGeom prst="rect">
-            <a:avLst/>
-          </a:prstGeom>
-        </p:spPr>
-      </p:pic>
     </p:spTree>
     <p:extLst>
       <p:ext uri="{BB962C8B-B14F-4D97-AF65-F5344CB8AC3E}">
-        <p14:creationId xmlns:p14="http://schemas.microsoft.com/office/powerpoint/2010/main" val="3158275590"/>
+        <p14:creationId xmlns:p14="http://schemas.microsoft.com/office/powerpoint/2010/main" val="1252178879"/>
       </p:ext>
     </p:extLst>
   </p:cSld>
@@ -19715,7 +19600,7 @@
         <p:spPr bwMode="auto">
           <a:xfrm>
             <a:off x="7362825" y="117475"/>
-            <a:ext cx="1450975" cy="830997"/>
+            <a:ext cx="1450975" cy="461665"/>
           </a:xfrm>
           <a:prstGeom prst="rect">
             <a:avLst/>
@@ -19740,7 +19625,7 @@
               <a:buNone/>
             </a:pPr>
             <a:r>
-              <a:rPr lang="zh-CN" altLang="en-US" sz="2400" b="1" dirty="0">
+              <a:rPr lang="zh-CN" altLang="en-US" sz="2400" b="1" dirty="0" smtClean="0">
                 <a:solidFill>
                   <a:srgbClr val="FFC68D"/>
                 </a:solidFill>
@@ -19748,18 +19633,7 @@
                 <a:ea typeface="黑体" pitchFamily="49" charset="-122"/>
                 <a:sym typeface="黑体" pitchFamily="49" charset="-122"/>
               </a:rPr>
-              <a:t>前</a:t>
-            </a:r>
-            <a:r>
-              <a:rPr lang="zh-CN" altLang="en-US" sz="2400" b="1" dirty="0" smtClean="0">
-                <a:solidFill>
-                  <a:srgbClr val="FFC68D"/>
-                </a:solidFill>
-                <a:latin typeface="黑体" pitchFamily="49" charset="-122"/>
-                <a:ea typeface="黑体" pitchFamily="49" charset="-122"/>
-                <a:sym typeface="黑体" pitchFamily="49" charset="-122"/>
-              </a:rPr>
-              <a:t>后台判断</a:t>
+              <a:t>销毁</a:t>
             </a:r>
             <a:endParaRPr lang="en-US" altLang="zh-CN" sz="2400" b="1" dirty="0" smtClean="0">
               <a:solidFill>
@@ -19868,7 +19742,7 @@
                 <a:ea typeface="微软雅黑" pitchFamily="34" charset="-122"/>
                 <a:sym typeface="微软雅黑" pitchFamily="34" charset="-122"/>
               </a:rPr>
-              <a:t>进数据结构</a:t>
+              <a:t>数据结构</a:t>
             </a:r>
             <a:endParaRPr lang="zh-CN" sz="1500" b="1" dirty="0">
               <a:solidFill>
@@ -20003,7 +19877,7 @@
       </p:sp>
       <p:pic>
         <p:nvPicPr>
-          <p:cNvPr id="2" name="图片 1"/>
+          <p:cNvPr id="6" name="图片 5"/>
           <p:cNvPicPr>
             <a:picLocks noChangeAspect="1"/>
           </p:cNvPicPr>
@@ -20017,8 +19891,8 @@
         </p:blipFill>
         <p:spPr>
           <a:xfrm>
-            <a:off x="1978951" y="2060905"/>
-            <a:ext cx="3781425" cy="1895475"/>
+            <a:off x="1037233" y="1899123"/>
+            <a:ext cx="6981825" cy="3057525"/>
           </a:xfrm>
           <a:prstGeom prst="rect">
             <a:avLst/>
@@ -20028,7 +19902,7 @@
     </p:spTree>
     <p:extLst>
       <p:ext uri="{BB962C8B-B14F-4D97-AF65-F5344CB8AC3E}">
-        <p14:creationId xmlns:p14="http://schemas.microsoft.com/office/powerpoint/2010/main" val="1252178879"/>
+        <p14:creationId xmlns:p14="http://schemas.microsoft.com/office/powerpoint/2010/main" val="2088608120"/>
       </p:ext>
     </p:extLst>
   </p:cSld>
@@ -20433,7 +20307,7 @@
       </p:sp>
       <p:pic>
         <p:nvPicPr>
-          <p:cNvPr id="6" name="图片 5"/>
+          <p:cNvPr id="5" name="图片 4"/>
           <p:cNvPicPr>
             <a:picLocks noChangeAspect="1"/>
           </p:cNvPicPr>
@@ -20447,8 +20321,8 @@
         </p:blipFill>
         <p:spPr>
           <a:xfrm>
-            <a:off x="1037233" y="1899123"/>
-            <a:ext cx="6981825" cy="3057525"/>
+            <a:off x="1403780" y="1396587"/>
+            <a:ext cx="5162550" cy="4419600"/>
           </a:xfrm>
           <a:prstGeom prst="rect">
             <a:avLst/>
@@ -20458,7 +20332,7 @@
     </p:spTree>
     <p:extLst>
       <p:ext uri="{BB962C8B-B14F-4D97-AF65-F5344CB8AC3E}">
-        <p14:creationId xmlns:p14="http://schemas.microsoft.com/office/powerpoint/2010/main" val="2088608120"/>
+        <p14:creationId xmlns:p14="http://schemas.microsoft.com/office/powerpoint/2010/main" val="2472988582"/>
       </p:ext>
     </p:extLst>
   </p:cSld>
@@ -20863,7 +20737,7 @@
       </p:sp>
       <p:pic>
         <p:nvPicPr>
-          <p:cNvPr id="5" name="图片 4"/>
+          <p:cNvPr id="2" name="图片 1"/>
           <p:cNvPicPr>
             <a:picLocks noChangeAspect="1"/>
           </p:cNvPicPr>
@@ -20877,8 +20751,8 @@
         </p:blipFill>
         <p:spPr>
           <a:xfrm>
-            <a:off x="1403780" y="1396587"/>
-            <a:ext cx="5162550" cy="4419600"/>
+            <a:off x="2265459" y="1147624"/>
+            <a:ext cx="4608320" cy="4802064"/>
           </a:xfrm>
           <a:prstGeom prst="rect">
             <a:avLst/>
@@ -20888,7 +20762,7 @@
     </p:spTree>
     <p:extLst>
       <p:ext uri="{BB962C8B-B14F-4D97-AF65-F5344CB8AC3E}">
-        <p14:creationId xmlns:p14="http://schemas.microsoft.com/office/powerpoint/2010/main" val="2472988582"/>
+        <p14:creationId xmlns:p14="http://schemas.microsoft.com/office/powerpoint/2010/main" val="2339621559"/>
       </p:ext>
     </p:extLst>
   </p:cSld>
@@ -21041,436 +20915,6 @@
               <a:buNone/>
             </a:pPr>
             <a:r>
-              <a:rPr lang="zh-CN" altLang="en-US" sz="2400" b="1" dirty="0" smtClean="0">
-                <a:solidFill>
-                  <a:srgbClr val="FFC68D"/>
-                </a:solidFill>
-                <a:latin typeface="黑体" pitchFamily="49" charset="-122"/>
-                <a:ea typeface="黑体" pitchFamily="49" charset="-122"/>
-                <a:sym typeface="黑体" pitchFamily="49" charset="-122"/>
-              </a:rPr>
-              <a:t>销毁</a:t>
-            </a:r>
-            <a:endParaRPr lang="en-US" altLang="zh-CN" sz="2400" b="1" dirty="0" smtClean="0">
-              <a:solidFill>
-                <a:srgbClr val="FFC68D"/>
-              </a:solidFill>
-              <a:latin typeface="黑体" pitchFamily="49" charset="-122"/>
-              <a:ea typeface="黑体" pitchFamily="49" charset="-122"/>
-              <a:sym typeface="黑体" pitchFamily="49" charset="-122"/>
-            </a:endParaRPr>
-          </a:p>
-        </p:txBody>
-      </p:sp>
-      <p:sp>
-        <p:nvSpPr>
-          <p:cNvPr id="20" name="矩形 19"/>
-          <p:cNvSpPr>
-            <a:spLocks noChangeArrowheads="1"/>
-          </p:cNvSpPr>
-          <p:nvPr/>
-        </p:nvSpPr>
-        <p:spPr bwMode="auto">
-          <a:xfrm>
-            <a:off x="0" y="-3815"/>
-            <a:ext cx="1276350" cy="549275"/>
-          </a:xfrm>
-          <a:prstGeom prst="rect">
-            <a:avLst/>
-          </a:prstGeom>
-          <a:solidFill>
-            <a:srgbClr val="AFE6F5"/>
-          </a:solidFill>
-          <a:ln w="9525">
-            <a:noFill/>
-            <a:miter lim="800000"/>
-            <a:headEnd/>
-            <a:tailEnd/>
-          </a:ln>
-        </p:spPr>
-        <p:txBody>
-          <a:bodyPr lIns="90170" tIns="46990" rIns="90170" bIns="46990" anchor="ctr"/>
-          <a:lstStyle/>
-          <a:p>
-            <a:pPr algn="ctr" eaLnBrk="1" hangingPunct="1"/>
-            <a:r>
-              <a:rPr lang="zh-CN" altLang="en-US" sz="1600" b="1" dirty="0" smtClean="0">
-                <a:solidFill>
-                  <a:srgbClr val="E6F5E1"/>
-                </a:solidFill>
-                <a:latin typeface="微软雅黑" pitchFamily="34" charset="-122"/>
-                <a:ea typeface="微软雅黑" pitchFamily="34" charset="-122"/>
-                <a:sym typeface="微软雅黑" pitchFamily="34" charset="-122"/>
-              </a:rPr>
-              <a:t>概述</a:t>
-            </a:r>
-            <a:endParaRPr lang="en-US" altLang="zh-CN" sz="1600" b="1" dirty="0">
-              <a:solidFill>
-                <a:srgbClr val="E6F5E1"/>
-              </a:solidFill>
-              <a:latin typeface="微软雅黑" pitchFamily="34" charset="-122"/>
-              <a:ea typeface="微软雅黑" pitchFamily="34" charset="-122"/>
-              <a:sym typeface="微软雅黑" pitchFamily="34" charset="-122"/>
-            </a:endParaRPr>
-          </a:p>
-        </p:txBody>
-      </p:sp>
-      <p:sp>
-        <p:nvSpPr>
-          <p:cNvPr id="22" name="矩形 21"/>
-          <p:cNvSpPr>
-            <a:spLocks noChangeArrowheads="1"/>
-          </p:cNvSpPr>
-          <p:nvPr/>
-        </p:nvSpPr>
-        <p:spPr bwMode="auto">
-          <a:xfrm>
-            <a:off x="1296657" y="-3815"/>
-            <a:ext cx="1276350" cy="549275"/>
-          </a:xfrm>
-          <a:prstGeom prst="rect">
-            <a:avLst/>
-          </a:prstGeom>
-          <a:solidFill>
-            <a:srgbClr val="AFE6F5"/>
-          </a:solidFill>
-          <a:ln w="9525">
-            <a:noFill/>
-            <a:miter lim="800000"/>
-            <a:headEnd/>
-            <a:tailEnd/>
-          </a:ln>
-        </p:spPr>
-        <p:txBody>
-          <a:bodyPr lIns="90170" tIns="46990" rIns="90170" bIns="46990" anchor="ctr"/>
-          <a:lstStyle/>
-          <a:p>
-            <a:pPr algn="ctr" eaLnBrk="1" hangingPunct="1">
-              <a:buFont typeface="Arial" charset="0"/>
-              <a:buNone/>
-            </a:pPr>
-            <a:r>
-              <a:rPr lang="zh-CN" altLang="en-US" sz="1500" b="1" dirty="0" smtClean="0">
-                <a:solidFill>
-                  <a:srgbClr val="FFFFFF"/>
-                </a:solidFill>
-                <a:latin typeface="微软雅黑" pitchFamily="34" charset="-122"/>
-                <a:ea typeface="微软雅黑" pitchFamily="34" charset="-122"/>
-                <a:sym typeface="微软雅黑" pitchFamily="34" charset="-122"/>
-              </a:rPr>
-              <a:t>数据结构</a:t>
-            </a:r>
-            <a:endParaRPr lang="zh-CN" sz="1500" b="1" dirty="0">
-              <a:solidFill>
-                <a:srgbClr val="FFFFFF"/>
-              </a:solidFill>
-              <a:latin typeface="微软雅黑" pitchFamily="34" charset="-122"/>
-              <a:ea typeface="微软雅黑" pitchFamily="34" charset="-122"/>
-              <a:sym typeface="微软雅黑" pitchFamily="34" charset="-122"/>
-            </a:endParaRPr>
-          </a:p>
-        </p:txBody>
-      </p:sp>
-      <p:sp>
-        <p:nvSpPr>
-          <p:cNvPr id="23" name="矩形 22"/>
-          <p:cNvSpPr>
-            <a:spLocks noChangeArrowheads="1"/>
-          </p:cNvSpPr>
-          <p:nvPr/>
-        </p:nvSpPr>
-        <p:spPr bwMode="auto">
-          <a:xfrm>
-            <a:off x="3889971" y="0"/>
-            <a:ext cx="1276350" cy="549275"/>
-          </a:xfrm>
-          <a:prstGeom prst="rect">
-            <a:avLst/>
-          </a:prstGeom>
-          <a:solidFill>
-            <a:srgbClr val="AFE6F5"/>
-          </a:solidFill>
-          <a:ln w="9525">
-            <a:noFill/>
-            <a:miter lim="800000"/>
-            <a:headEnd/>
-            <a:tailEnd/>
-          </a:ln>
-        </p:spPr>
-        <p:txBody>
-          <a:bodyPr lIns="90170" tIns="46990" rIns="90170" bIns="46990" anchor="ctr"/>
-          <a:lstStyle/>
-          <a:p>
-            <a:pPr algn="ctr" eaLnBrk="1" hangingPunct="1">
-              <a:buFont typeface="Arial" charset="0"/>
-              <a:buNone/>
-            </a:pPr>
-            <a:r>
-              <a:rPr lang="zh-CN" altLang="en-US" sz="1500" b="1" dirty="0" smtClean="0">
-                <a:solidFill>
-                  <a:srgbClr val="FFFFFF"/>
-                </a:solidFill>
-                <a:latin typeface="微软雅黑" pitchFamily="34" charset="-122"/>
-                <a:ea typeface="微软雅黑" pitchFamily="34" charset="-122"/>
-                <a:sym typeface="微软雅黑" pitchFamily="34" charset="-122"/>
-              </a:rPr>
-              <a:t>调试</a:t>
-            </a:r>
-            <a:endParaRPr lang="zh-CN" sz="1500" b="1" dirty="0">
-              <a:solidFill>
-                <a:srgbClr val="FFFFFF"/>
-              </a:solidFill>
-              <a:latin typeface="微软雅黑" pitchFamily="34" charset="-122"/>
-              <a:ea typeface="微软雅黑" pitchFamily="34" charset="-122"/>
-              <a:sym typeface="微软雅黑" pitchFamily="34" charset="-122"/>
-            </a:endParaRPr>
-          </a:p>
-        </p:txBody>
-      </p:sp>
-      <p:sp>
-        <p:nvSpPr>
-          <p:cNvPr id="11" name="矩形 6"/>
-          <p:cNvSpPr>
-            <a:spLocks noChangeArrowheads="1"/>
-          </p:cNvSpPr>
-          <p:nvPr/>
-        </p:nvSpPr>
-        <p:spPr bwMode="auto">
-          <a:xfrm>
-            <a:off x="2593314" y="-3815"/>
-            <a:ext cx="1276350" cy="836613"/>
-          </a:xfrm>
-          <a:prstGeom prst="rect">
-            <a:avLst/>
-          </a:prstGeom>
-          <a:solidFill>
-            <a:srgbClr val="19B4DC"/>
-          </a:solidFill>
-          <a:ln w="9525">
-            <a:noFill/>
-            <a:miter lim="800000"/>
-            <a:headEnd/>
-            <a:tailEnd/>
-          </a:ln>
-        </p:spPr>
-        <p:txBody>
-          <a:bodyPr lIns="90170" tIns="46990" rIns="90170" bIns="46990" anchor="ctr"/>
-          <a:lstStyle/>
-          <a:p>
-            <a:pPr algn="ctr" eaLnBrk="1" hangingPunct="1"/>
-            <a:r>
-              <a:rPr lang="zh-CN" altLang="en-US" sz="2000" b="1" dirty="0">
-                <a:solidFill>
-                  <a:srgbClr val="FFFFFF"/>
-                </a:solidFill>
-                <a:latin typeface="微软雅黑" pitchFamily="34" charset="-122"/>
-                <a:ea typeface="微软雅黑" pitchFamily="34" charset="-122"/>
-                <a:sym typeface="微软雅黑" pitchFamily="34" charset="-122"/>
-              </a:rPr>
-              <a:t>进程</a:t>
-            </a:r>
-            <a:r>
-              <a:rPr lang="zh-CN" altLang="en-US" sz="2000" b="1" dirty="0" smtClean="0">
-                <a:solidFill>
-                  <a:srgbClr val="FFFFFF"/>
-                </a:solidFill>
-                <a:latin typeface="微软雅黑" pitchFamily="34" charset="-122"/>
-                <a:ea typeface="微软雅黑" pitchFamily="34" charset="-122"/>
-                <a:sym typeface="微软雅黑" pitchFamily="34" charset="-122"/>
-              </a:rPr>
-              <a:t>管理</a:t>
-            </a:r>
-            <a:endParaRPr lang="en-US" altLang="zh-CN" sz="2000" b="1" dirty="0">
-              <a:solidFill>
-                <a:srgbClr val="E6F5E1"/>
-              </a:solidFill>
-              <a:latin typeface="微软雅黑" pitchFamily="34" charset="-122"/>
-              <a:ea typeface="微软雅黑" pitchFamily="34" charset="-122"/>
-              <a:sym typeface="微软雅黑" pitchFamily="34" charset="-122"/>
-            </a:endParaRPr>
-          </a:p>
-        </p:txBody>
-      </p:sp>
-      <p:pic>
-        <p:nvPicPr>
-          <p:cNvPr id="2" name="图片 1"/>
-          <p:cNvPicPr>
-            <a:picLocks noChangeAspect="1"/>
-          </p:cNvPicPr>
-          <p:nvPr/>
-        </p:nvPicPr>
-        <p:blipFill>
-          <a:blip r:embed="rId3"/>
-          <a:stretch>
-            <a:fillRect/>
-          </a:stretch>
-        </p:blipFill>
-        <p:spPr>
-          <a:xfrm>
-            <a:off x="2265459" y="1147624"/>
-            <a:ext cx="4608320" cy="4802064"/>
-          </a:xfrm>
-          <a:prstGeom prst="rect">
-            <a:avLst/>
-          </a:prstGeom>
-        </p:spPr>
-      </p:pic>
-    </p:spTree>
-    <p:extLst>
-      <p:ext uri="{BB962C8B-B14F-4D97-AF65-F5344CB8AC3E}">
-        <p14:creationId xmlns:p14="http://schemas.microsoft.com/office/powerpoint/2010/main" val="2339621559"/>
-      </p:ext>
-    </p:extLst>
-  </p:cSld>
-  <p:clrMapOvr>
-    <a:masterClrMapping/>
-  </p:clrMapOvr>
-  <p:transition spd="slow">
-    <p:split orient="vert"/>
-  </p:transition>
-  <p:timing>
-    <p:tnLst>
-      <p:par>
-        <p:cTn id="1" dur="indefinite" restart="never" nodeType="tmRoot"/>
-      </p:par>
-    </p:tnLst>
-  </p:timing>
-</p:sld>
-</file>
-
-<file path=ppt/slides/slide28.xml><?xml version="1.0" encoding="utf-8"?>
-<p:sld xmlns:a="http://schemas.openxmlformats.org/drawingml/2006/main" xmlns:r="http://schemas.openxmlformats.org/officeDocument/2006/relationships" xmlns:p="http://schemas.openxmlformats.org/presentationml/2006/main">
-  <p:cSld>
-    <p:spTree>
-      <p:nvGrpSpPr>
-        <p:cNvPr id="1" name=""/>
-        <p:cNvGrpSpPr/>
-        <p:nvPr/>
-      </p:nvGrpSpPr>
-      <p:grpSpPr>
-        <a:xfrm>
-          <a:off x="0" y="0"/>
-          <a:ext cx="0" cy="0"/>
-          <a:chOff x="0" y="0"/>
-          <a:chExt cx="0" cy="0"/>
-        </a:xfrm>
-      </p:grpSpPr>
-      <p:sp>
-        <p:nvSpPr>
-          <p:cNvPr id="5129" name="矩形 11"/>
-          <p:cNvSpPr>
-            <a:spLocks noChangeArrowheads="1"/>
-          </p:cNvSpPr>
-          <p:nvPr/>
-        </p:nvSpPr>
-        <p:spPr bwMode="auto">
-          <a:xfrm>
-            <a:off x="0" y="6597650"/>
-            <a:ext cx="9139238" cy="260350"/>
-          </a:xfrm>
-          <a:prstGeom prst="rect">
-            <a:avLst/>
-          </a:prstGeom>
-          <a:solidFill>
-            <a:srgbClr val="19B4DC"/>
-          </a:solidFill>
-          <a:ln w="9525">
-            <a:noFill/>
-            <a:miter lim="800000"/>
-            <a:headEnd/>
-            <a:tailEnd/>
-          </a:ln>
-          <a:effectLst/>
-        </p:spPr>
-        <p:txBody>
-          <a:bodyPr lIns="90170" tIns="46990" rIns="90170" bIns="46990" anchor="ctr"/>
-          <a:lstStyle/>
-          <a:p>
-            <a:pPr algn="ctr" eaLnBrk="1" hangingPunct="1">
-              <a:buFont typeface="Arial" charset="0"/>
-              <a:buNone/>
-            </a:pPr>
-            <a:endParaRPr lang="zh-CN" altLang="zh-CN" sz="1300">
-              <a:solidFill>
-                <a:srgbClr val="CCEDC7"/>
-              </a:solidFill>
-              <a:latin typeface="宋体" pitchFamily="2" charset="-122"/>
-              <a:sym typeface="宋体" pitchFamily="2" charset="-122"/>
-            </a:endParaRPr>
-          </a:p>
-        </p:txBody>
-      </p:sp>
-      <p:sp>
-        <p:nvSpPr>
-          <p:cNvPr id="18" name="直接连接符 13"/>
-          <p:cNvSpPr>
-            <a:spLocks noChangeShapeType="1"/>
-          </p:cNvSpPr>
-          <p:nvPr/>
-        </p:nvSpPr>
-        <p:spPr bwMode="auto">
-          <a:xfrm flipH="1">
-            <a:off x="7019925" y="533400"/>
-            <a:ext cx="1917700" cy="1588"/>
-          </a:xfrm>
-          <a:prstGeom prst="line">
-            <a:avLst/>
-          </a:prstGeom>
-          <a:noFill/>
-          <a:ln w="6350">
-            <a:solidFill>
-              <a:srgbClr val="E6F5E1"/>
-            </a:solidFill>
-            <a:round/>
-            <a:headEnd type="triangle" w="lg" len="lg"/>
-            <a:tailEnd type="oval" w="sm" len="sm"/>
-          </a:ln>
-          <a:effectLst/>
-        </p:spPr>
-        <p:txBody>
-          <a:bodyPr/>
-          <a:lstStyle/>
-          <a:p>
-            <a:endParaRPr lang="zh-CN" altLang="en-US"/>
-          </a:p>
-        </p:txBody>
-      </p:sp>
-      <p:sp>
-        <p:nvSpPr>
-          <p:cNvPr id="19" name="TextBox 4"/>
-          <p:cNvSpPr>
-            <a:spLocks noChangeArrowheads="1"/>
-          </p:cNvSpPr>
-          <p:nvPr/>
-        </p:nvSpPr>
-        <p:spPr bwMode="auto">
-          <a:xfrm>
-            <a:off x="7362825" y="117475"/>
-            <a:ext cx="1450975" cy="461665"/>
-          </a:xfrm>
-          <a:prstGeom prst="rect">
-            <a:avLst/>
-          </a:prstGeom>
-          <a:noFill/>
-          <a:ln w="9525">
-            <a:noFill/>
-            <a:miter lim="800000"/>
-            <a:headEnd/>
-            <a:tailEnd/>
-          </a:ln>
-          <a:effectLst/>
-        </p:spPr>
-        <p:txBody>
-          <a:bodyPr>
-            <a:spAutoFit/>
-          </a:bodyPr>
-          <a:lstStyle/>
-          <a:p>
-            <a:pPr eaLnBrk="1" hangingPunct="1">
-              <a:buFont typeface="Arial" charset="0"/>
-              <a:buNone/>
-            </a:pPr>
-            <a:r>
               <a:rPr lang="en-US" altLang="zh-CN" sz="2400" b="1" dirty="0" smtClean="0">
                 <a:solidFill>
                   <a:srgbClr val="FFC68D"/>
@@ -21757,7 +21201,7 @@
 </p:sld>
 </file>
 
-<file path=ppt/slides/slide29.xml><?xml version="1.0" encoding="utf-8"?>
+<file path=ppt/slides/slide28.xml><?xml version="1.0" encoding="utf-8"?>
 <p:sld xmlns:a="http://schemas.openxmlformats.org/drawingml/2006/main" xmlns:r="http://schemas.openxmlformats.org/officeDocument/2006/relationships" xmlns:p="http://schemas.openxmlformats.org/presentationml/2006/main">
   <p:cSld>
     <p:spTree>
@@ -23630,6 +23074,423 @@
 </p:sld>
 </file>
 
+<file path=ppt/slides/slide29.xml><?xml version="1.0" encoding="utf-8"?>
+<p:sld xmlns:a="http://schemas.openxmlformats.org/drawingml/2006/main" xmlns:r="http://schemas.openxmlformats.org/officeDocument/2006/relationships" xmlns:p="http://schemas.openxmlformats.org/presentationml/2006/main">
+  <p:cSld>
+    <p:spTree>
+      <p:nvGrpSpPr>
+        <p:cNvPr id="1" name=""/>
+        <p:cNvGrpSpPr/>
+        <p:nvPr/>
+      </p:nvGrpSpPr>
+      <p:grpSpPr>
+        <a:xfrm>
+          <a:off x="0" y="0"/>
+          <a:ext cx="0" cy="0"/>
+          <a:chOff x="0" y="0"/>
+          <a:chExt cx="0" cy="0"/>
+        </a:xfrm>
+      </p:grpSpPr>
+      <p:sp>
+        <p:nvSpPr>
+          <p:cNvPr id="5129" name="矩形 11"/>
+          <p:cNvSpPr>
+            <a:spLocks noChangeArrowheads="1"/>
+          </p:cNvSpPr>
+          <p:nvPr/>
+        </p:nvSpPr>
+        <p:spPr bwMode="auto">
+          <a:xfrm>
+            <a:off x="0" y="6597650"/>
+            <a:ext cx="9139238" cy="260350"/>
+          </a:xfrm>
+          <a:prstGeom prst="rect">
+            <a:avLst/>
+          </a:prstGeom>
+          <a:solidFill>
+            <a:srgbClr val="19B4DC"/>
+          </a:solidFill>
+          <a:ln w="9525">
+            <a:noFill/>
+            <a:miter lim="800000"/>
+            <a:headEnd/>
+            <a:tailEnd/>
+          </a:ln>
+          <a:effectLst/>
+        </p:spPr>
+        <p:txBody>
+          <a:bodyPr lIns="90170" tIns="46990" rIns="90170" bIns="46990" anchor="ctr"/>
+          <a:lstStyle/>
+          <a:p>
+            <a:pPr algn="ctr" eaLnBrk="1" hangingPunct="1">
+              <a:buFont typeface="Arial" charset="0"/>
+              <a:buNone/>
+            </a:pPr>
+            <a:endParaRPr lang="zh-CN" altLang="zh-CN" sz="1300">
+              <a:solidFill>
+                <a:srgbClr val="CCEDC7"/>
+              </a:solidFill>
+              <a:latin typeface="宋体" pitchFamily="2" charset="-122"/>
+              <a:sym typeface="宋体" pitchFamily="2" charset="-122"/>
+            </a:endParaRPr>
+          </a:p>
+        </p:txBody>
+      </p:sp>
+      <p:sp>
+        <p:nvSpPr>
+          <p:cNvPr id="18" name="直接连接符 13"/>
+          <p:cNvSpPr>
+            <a:spLocks noChangeShapeType="1"/>
+          </p:cNvSpPr>
+          <p:nvPr/>
+        </p:nvSpPr>
+        <p:spPr bwMode="auto">
+          <a:xfrm flipH="1">
+            <a:off x="7019925" y="533400"/>
+            <a:ext cx="1917700" cy="1588"/>
+          </a:xfrm>
+          <a:prstGeom prst="line">
+            <a:avLst/>
+          </a:prstGeom>
+          <a:noFill/>
+          <a:ln w="6350">
+            <a:solidFill>
+              <a:srgbClr val="E6F5E1"/>
+            </a:solidFill>
+            <a:round/>
+            <a:headEnd type="triangle" w="lg" len="lg"/>
+            <a:tailEnd type="oval" w="sm" len="sm"/>
+          </a:ln>
+          <a:effectLst/>
+        </p:spPr>
+        <p:txBody>
+          <a:bodyPr/>
+          <a:lstStyle/>
+          <a:p>
+            <a:endParaRPr lang="zh-CN" altLang="en-US"/>
+          </a:p>
+        </p:txBody>
+      </p:sp>
+      <p:sp>
+        <p:nvSpPr>
+          <p:cNvPr id="19" name="TextBox 4"/>
+          <p:cNvSpPr>
+            <a:spLocks noChangeArrowheads="1"/>
+          </p:cNvSpPr>
+          <p:nvPr/>
+        </p:nvSpPr>
+        <p:spPr bwMode="auto">
+          <a:xfrm>
+            <a:off x="7362825" y="117475"/>
+            <a:ext cx="1450975" cy="830997"/>
+          </a:xfrm>
+          <a:prstGeom prst="rect">
+            <a:avLst/>
+          </a:prstGeom>
+          <a:noFill/>
+          <a:ln w="9525">
+            <a:noFill/>
+            <a:miter lim="800000"/>
+            <a:headEnd/>
+            <a:tailEnd/>
+          </a:ln>
+          <a:effectLst/>
+        </p:spPr>
+        <p:txBody>
+          <a:bodyPr>
+            <a:spAutoFit/>
+          </a:bodyPr>
+          <a:lstStyle/>
+          <a:p>
+            <a:pPr eaLnBrk="1" hangingPunct="1">
+              <a:buFont typeface="Arial" charset="0"/>
+              <a:buNone/>
+            </a:pPr>
+            <a:r>
+              <a:rPr lang="en-US" altLang="zh-CN" sz="2400" b="1" dirty="0" smtClean="0">
+                <a:solidFill>
+                  <a:srgbClr val="FFC68D"/>
+                </a:solidFill>
+                <a:latin typeface="黑体" pitchFamily="49" charset="-122"/>
+                <a:ea typeface="黑体" pitchFamily="49" charset="-122"/>
+                <a:sym typeface="黑体" pitchFamily="49" charset="-122"/>
+              </a:rPr>
+              <a:t>Dump activity</a:t>
+            </a:r>
+          </a:p>
+        </p:txBody>
+      </p:sp>
+      <p:sp>
+        <p:nvSpPr>
+          <p:cNvPr id="20" name="矩形 19"/>
+          <p:cNvSpPr>
+            <a:spLocks noChangeArrowheads="1"/>
+          </p:cNvSpPr>
+          <p:nvPr/>
+        </p:nvSpPr>
+        <p:spPr bwMode="auto">
+          <a:xfrm>
+            <a:off x="0" y="-3815"/>
+            <a:ext cx="1276350" cy="549275"/>
+          </a:xfrm>
+          <a:prstGeom prst="rect">
+            <a:avLst/>
+          </a:prstGeom>
+          <a:solidFill>
+            <a:srgbClr val="AFE6F5"/>
+          </a:solidFill>
+          <a:ln w="9525">
+            <a:noFill/>
+            <a:miter lim="800000"/>
+            <a:headEnd/>
+            <a:tailEnd/>
+          </a:ln>
+        </p:spPr>
+        <p:txBody>
+          <a:bodyPr lIns="90170" tIns="46990" rIns="90170" bIns="46990" anchor="ctr"/>
+          <a:lstStyle/>
+          <a:p>
+            <a:pPr algn="ctr" eaLnBrk="1" hangingPunct="1"/>
+            <a:r>
+              <a:rPr lang="zh-CN" altLang="en-US" sz="1600" b="1" dirty="0" smtClean="0">
+                <a:solidFill>
+                  <a:srgbClr val="E6F5E1"/>
+                </a:solidFill>
+                <a:latin typeface="微软雅黑" pitchFamily="34" charset="-122"/>
+                <a:ea typeface="微软雅黑" pitchFamily="34" charset="-122"/>
+                <a:sym typeface="微软雅黑" pitchFamily="34" charset="-122"/>
+              </a:rPr>
+              <a:t>概述</a:t>
+            </a:r>
+            <a:endParaRPr lang="en-US" altLang="zh-CN" sz="1600" b="1" dirty="0">
+              <a:solidFill>
+                <a:srgbClr val="E6F5E1"/>
+              </a:solidFill>
+              <a:latin typeface="微软雅黑" pitchFamily="34" charset="-122"/>
+              <a:ea typeface="微软雅黑" pitchFamily="34" charset="-122"/>
+              <a:sym typeface="微软雅黑" pitchFamily="34" charset="-122"/>
+            </a:endParaRPr>
+          </a:p>
+        </p:txBody>
+      </p:sp>
+      <p:sp>
+        <p:nvSpPr>
+          <p:cNvPr id="22" name="矩形 21"/>
+          <p:cNvSpPr>
+            <a:spLocks noChangeArrowheads="1"/>
+          </p:cNvSpPr>
+          <p:nvPr/>
+        </p:nvSpPr>
+        <p:spPr bwMode="auto">
+          <a:xfrm>
+            <a:off x="1296657" y="-3815"/>
+            <a:ext cx="1276350" cy="549275"/>
+          </a:xfrm>
+          <a:prstGeom prst="rect">
+            <a:avLst/>
+          </a:prstGeom>
+          <a:solidFill>
+            <a:srgbClr val="AFE6F5"/>
+          </a:solidFill>
+          <a:ln w="9525">
+            <a:noFill/>
+            <a:miter lim="800000"/>
+            <a:headEnd/>
+            <a:tailEnd/>
+          </a:ln>
+        </p:spPr>
+        <p:txBody>
+          <a:bodyPr lIns="90170" tIns="46990" rIns="90170" bIns="46990" anchor="ctr"/>
+          <a:lstStyle/>
+          <a:p>
+            <a:pPr algn="ctr" eaLnBrk="1" hangingPunct="1">
+              <a:buFont typeface="Arial" charset="0"/>
+              <a:buNone/>
+            </a:pPr>
+            <a:r>
+              <a:rPr lang="zh-CN" altLang="en-US" sz="1500" b="1" dirty="0" smtClean="0">
+                <a:solidFill>
+                  <a:srgbClr val="FFFFFF"/>
+                </a:solidFill>
+                <a:latin typeface="微软雅黑" pitchFamily="34" charset="-122"/>
+                <a:ea typeface="微软雅黑" pitchFamily="34" charset="-122"/>
+                <a:sym typeface="微软雅黑" pitchFamily="34" charset="-122"/>
+              </a:rPr>
+              <a:t>数据结构</a:t>
+            </a:r>
+            <a:endParaRPr lang="zh-CN" sz="1500" b="1" dirty="0">
+              <a:solidFill>
+                <a:srgbClr val="FFFFFF"/>
+              </a:solidFill>
+              <a:latin typeface="微软雅黑" pitchFamily="34" charset="-122"/>
+              <a:ea typeface="微软雅黑" pitchFamily="34" charset="-122"/>
+              <a:sym typeface="微软雅黑" pitchFamily="34" charset="-122"/>
+            </a:endParaRPr>
+          </a:p>
+        </p:txBody>
+      </p:sp>
+      <p:sp>
+        <p:nvSpPr>
+          <p:cNvPr id="23" name="矩形 22"/>
+          <p:cNvSpPr>
+            <a:spLocks noChangeArrowheads="1"/>
+          </p:cNvSpPr>
+          <p:nvPr/>
+        </p:nvSpPr>
+        <p:spPr bwMode="auto">
+          <a:xfrm>
+            <a:off x="2597922" y="0"/>
+            <a:ext cx="1276350" cy="549275"/>
+          </a:xfrm>
+          <a:prstGeom prst="rect">
+            <a:avLst/>
+          </a:prstGeom>
+          <a:solidFill>
+            <a:srgbClr val="AFE6F5"/>
+          </a:solidFill>
+          <a:ln w="9525">
+            <a:noFill/>
+            <a:miter lim="800000"/>
+            <a:headEnd/>
+            <a:tailEnd/>
+          </a:ln>
+        </p:spPr>
+        <p:txBody>
+          <a:bodyPr lIns="90170" tIns="46990" rIns="90170" bIns="46990" anchor="ctr"/>
+          <a:lstStyle/>
+          <a:p>
+            <a:pPr algn="ctr" eaLnBrk="1" hangingPunct="1"/>
+            <a:r>
+              <a:rPr lang="zh-CN" altLang="en-US" sz="1600" b="1" dirty="0">
+                <a:solidFill>
+                  <a:srgbClr val="FFFFFF"/>
+                </a:solidFill>
+                <a:latin typeface="微软雅黑" pitchFamily="34" charset="-122"/>
+                <a:ea typeface="微软雅黑" pitchFamily="34" charset="-122"/>
+                <a:sym typeface="微软雅黑" pitchFamily="34" charset="-122"/>
+              </a:rPr>
+              <a:t>进程</a:t>
+            </a:r>
+            <a:r>
+              <a:rPr lang="zh-CN" altLang="en-US" sz="1600" b="1" dirty="0" smtClean="0">
+                <a:solidFill>
+                  <a:srgbClr val="FFFFFF"/>
+                </a:solidFill>
+                <a:latin typeface="微软雅黑" pitchFamily="34" charset="-122"/>
+                <a:ea typeface="微软雅黑" pitchFamily="34" charset="-122"/>
+                <a:sym typeface="微软雅黑" pitchFamily="34" charset="-122"/>
+              </a:rPr>
+              <a:t>管理</a:t>
+            </a:r>
+            <a:endParaRPr lang="en-US" altLang="zh-CN" sz="1600" b="1" dirty="0">
+              <a:solidFill>
+                <a:srgbClr val="E6F5E1"/>
+              </a:solidFill>
+              <a:latin typeface="微软雅黑" pitchFamily="34" charset="-122"/>
+              <a:ea typeface="微软雅黑" pitchFamily="34" charset="-122"/>
+              <a:sym typeface="微软雅黑" pitchFamily="34" charset="-122"/>
+            </a:endParaRPr>
+          </a:p>
+        </p:txBody>
+      </p:sp>
+      <p:sp>
+        <p:nvSpPr>
+          <p:cNvPr id="11" name="矩形 6"/>
+          <p:cNvSpPr>
+            <a:spLocks noChangeArrowheads="1"/>
+          </p:cNvSpPr>
+          <p:nvPr/>
+        </p:nvSpPr>
+        <p:spPr bwMode="auto">
+          <a:xfrm>
+            <a:off x="3919494" y="0"/>
+            <a:ext cx="1276350" cy="836613"/>
+          </a:xfrm>
+          <a:prstGeom prst="rect">
+            <a:avLst/>
+          </a:prstGeom>
+          <a:solidFill>
+            <a:srgbClr val="19B4DC"/>
+          </a:solidFill>
+          <a:ln w="9525">
+            <a:noFill/>
+            <a:miter lim="800000"/>
+            <a:headEnd/>
+            <a:tailEnd/>
+          </a:ln>
+        </p:spPr>
+        <p:txBody>
+          <a:bodyPr lIns="90170" tIns="46990" rIns="90170" bIns="46990" anchor="ctr"/>
+          <a:lstStyle/>
+          <a:p>
+            <a:pPr algn="ctr" eaLnBrk="1" hangingPunct="1"/>
+            <a:r>
+              <a:rPr lang="zh-CN" altLang="en-US" sz="2000" b="1" dirty="0" smtClean="0">
+                <a:solidFill>
+                  <a:srgbClr val="E6F5E1"/>
+                </a:solidFill>
+                <a:latin typeface="微软雅黑" pitchFamily="34" charset="-122"/>
+                <a:ea typeface="微软雅黑" pitchFamily="34" charset="-122"/>
+                <a:sym typeface="微软雅黑" pitchFamily="34" charset="-122"/>
+              </a:rPr>
+              <a:t>调试</a:t>
+            </a:r>
+            <a:endParaRPr lang="en-US" altLang="zh-CN" sz="2000" b="1" dirty="0">
+              <a:solidFill>
+                <a:srgbClr val="E6F5E1"/>
+              </a:solidFill>
+              <a:latin typeface="微软雅黑" pitchFamily="34" charset="-122"/>
+              <a:ea typeface="微软雅黑" pitchFamily="34" charset="-122"/>
+              <a:sym typeface="微软雅黑" pitchFamily="34" charset="-122"/>
+            </a:endParaRPr>
+          </a:p>
+        </p:txBody>
+      </p:sp>
+      <p:pic>
+        <p:nvPicPr>
+          <p:cNvPr id="10" name="图片 9"/>
+          <p:cNvPicPr/>
+          <p:nvPr/>
+        </p:nvPicPr>
+        <p:blipFill>
+          <a:blip r:embed="rId3"/>
+          <a:stretch>
+            <a:fillRect/>
+          </a:stretch>
+        </p:blipFill>
+        <p:spPr>
+          <a:xfrm>
+            <a:off x="1934845" y="1384300"/>
+            <a:ext cx="5274310" cy="4089400"/>
+          </a:xfrm>
+          <a:prstGeom prst="rect">
+            <a:avLst/>
+          </a:prstGeom>
+        </p:spPr>
+      </p:pic>
+    </p:spTree>
+    <p:extLst>
+      <p:ext uri="{BB962C8B-B14F-4D97-AF65-F5344CB8AC3E}">
+        <p14:creationId xmlns:p14="http://schemas.microsoft.com/office/powerpoint/2010/main" val="3667435606"/>
+      </p:ext>
+    </p:extLst>
+  </p:cSld>
+  <p:clrMapOvr>
+    <a:masterClrMapping/>
+  </p:clrMapOvr>
+  <p:transition spd="slow">
+    <p:split orient="vert"/>
+  </p:transition>
+  <p:timing>
+    <p:tnLst>
+      <p:par>
+        <p:cTn id="1" dur="indefinite" restart="never" nodeType="tmRoot"/>
+      </p:par>
+    </p:tnLst>
+  </p:timing>
+</p:sld>
+</file>
+
 <file path=ppt/slides/slide3.xml><?xml version="1.0" encoding="utf-8"?>
 <p:sld xmlns:a="http://schemas.openxmlformats.org/drawingml/2006/main" xmlns:r="http://schemas.openxmlformats.org/officeDocument/2006/relationships" xmlns:p="http://schemas.openxmlformats.org/presentationml/2006/main">
   <p:cSld>
@@ -23649,7 +23510,42 @@
       </p:grpSpPr>
       <p:sp>
         <p:nvSpPr>
-          <p:cNvPr id="15363" name="矩形 11"/>
+          <p:cNvPr id="5124" name="直接连接符 13"/>
+          <p:cNvSpPr>
+            <a:spLocks noChangeShapeType="1"/>
+          </p:cNvSpPr>
+          <p:nvPr/>
+        </p:nvSpPr>
+        <p:spPr bwMode="auto">
+          <a:xfrm flipH="1">
+            <a:off x="7019925" y="533400"/>
+            <a:ext cx="1917700" cy="1588"/>
+          </a:xfrm>
+          <a:prstGeom prst="line">
+            <a:avLst/>
+          </a:prstGeom>
+          <a:noFill/>
+          <a:ln w="6350">
+            <a:solidFill>
+              <a:srgbClr val="E6F5E1"/>
+            </a:solidFill>
+            <a:round/>
+            <a:headEnd type="triangle" w="lg" len="lg"/>
+            <a:tailEnd type="oval" w="sm" len="sm"/>
+          </a:ln>
+          <a:effectLst/>
+        </p:spPr>
+        <p:txBody>
+          <a:bodyPr/>
+          <a:lstStyle/>
+          <a:p>
+            <a:endParaRPr lang="zh-CN" altLang="en-US"/>
+          </a:p>
+        </p:txBody>
+      </p:sp>
+      <p:sp>
+        <p:nvSpPr>
+          <p:cNvPr id="5125" name="TextBox 4"/>
           <p:cNvSpPr>
             <a:spLocks noChangeArrowheads="1"/>
           </p:cNvSpPr>
@@ -23657,8 +23553,65 @@
         </p:nvSpPr>
         <p:spPr bwMode="auto">
           <a:xfrm>
-            <a:off x="1588" y="6310313"/>
-            <a:ext cx="9139237" cy="549275"/>
+            <a:off x="7362825" y="117475"/>
+            <a:ext cx="1450975" cy="461665"/>
+          </a:xfrm>
+          <a:prstGeom prst="rect">
+            <a:avLst/>
+          </a:prstGeom>
+          <a:noFill/>
+          <a:ln w="9525">
+            <a:noFill/>
+            <a:miter lim="800000"/>
+            <a:headEnd/>
+            <a:tailEnd/>
+          </a:ln>
+          <a:effectLst/>
+        </p:spPr>
+        <p:txBody>
+          <a:bodyPr>
+            <a:spAutoFit/>
+          </a:bodyPr>
+          <a:lstStyle/>
+          <a:p>
+            <a:pPr eaLnBrk="1" hangingPunct="1">
+              <a:buFont typeface="Arial" charset="0"/>
+              <a:buNone/>
+            </a:pPr>
+            <a:r>
+              <a:rPr lang="zh-CN" altLang="en-US" sz="2400" b="1" dirty="0" smtClean="0">
+                <a:solidFill>
+                  <a:srgbClr val="FFC68D"/>
+                </a:solidFill>
+                <a:latin typeface="黑体" pitchFamily="49" charset="-122"/>
+                <a:ea typeface="黑体" pitchFamily="49" charset="-122"/>
+                <a:sym typeface="黑体" pitchFamily="49" charset="-122"/>
+              </a:rPr>
+              <a:t>功能</a:t>
+            </a:r>
+            <a:endParaRPr lang="zh-CN" altLang="en-US" sz="2400" b="1" dirty="0">
+              <a:solidFill>
+                <a:srgbClr val="FFC68D"/>
+              </a:solidFill>
+              <a:latin typeface="黑体" pitchFamily="49" charset="-122"/>
+              <a:ea typeface="黑体" pitchFamily="49" charset="-122"/>
+              <a:sym typeface="黑体" pitchFamily="49" charset="-122"/>
+            </a:endParaRPr>
+          </a:p>
+        </p:txBody>
+      </p:sp>
+      <p:sp>
+        <p:nvSpPr>
+          <p:cNvPr id="5129" name="矩形 11"/>
+          <p:cNvSpPr>
+            <a:spLocks noChangeArrowheads="1"/>
+          </p:cNvSpPr>
+          <p:nvPr/>
+        </p:nvSpPr>
+        <p:spPr bwMode="auto">
+          <a:xfrm>
+            <a:off x="0" y="6597650"/>
+            <a:ext cx="9139238" cy="260350"/>
           </a:xfrm>
           <a:prstGeom prst="rect">
             <a:avLst/>
@@ -23694,7 +23647,7 @@
       </p:sp>
       <p:sp>
         <p:nvSpPr>
-          <p:cNvPr id="15365" name="Rectangle 5"/>
+          <p:cNvPr id="8" name="矩形 7"/>
           <p:cNvSpPr>
             <a:spLocks noChangeArrowheads="1"/>
           </p:cNvSpPr>
@@ -23702,8 +23655,64 @@
         </p:nvSpPr>
         <p:spPr bwMode="auto">
           <a:xfrm>
-            <a:off x="3175" y="0"/>
-            <a:ext cx="9142413" cy="620713"/>
+            <a:off x="1290638" y="0"/>
+            <a:ext cx="1276350" cy="549275"/>
+          </a:xfrm>
+          <a:prstGeom prst="rect">
+            <a:avLst/>
+          </a:prstGeom>
+          <a:solidFill>
+            <a:srgbClr val="AFE6F5"/>
+          </a:solidFill>
+          <a:ln w="9525">
+            <a:noFill/>
+            <a:miter lim="800000"/>
+            <a:headEnd/>
+            <a:tailEnd/>
+          </a:ln>
+        </p:spPr>
+        <p:txBody>
+          <a:bodyPr lIns="90170" tIns="46990" rIns="90170" bIns="46990" anchor="ctr"/>
+          <a:lstStyle/>
+          <a:p>
+            <a:pPr algn="ctr" eaLnBrk="1" hangingPunct="1">
+              <a:buFont typeface="Arial" charset="0"/>
+              <a:buNone/>
+            </a:pPr>
+            <a:r>
+              <a:rPr lang="zh-CN" altLang="en-US" sz="1500" b="1" dirty="0" smtClean="0">
+                <a:solidFill>
+                  <a:srgbClr val="FFFFFF"/>
+                </a:solidFill>
+                <a:latin typeface="微软雅黑" pitchFamily="34" charset="-122"/>
+                <a:ea typeface="微软雅黑" pitchFamily="34" charset="-122"/>
+                <a:sym typeface="微软雅黑" pitchFamily="34" charset="-122"/>
+              </a:rPr>
+              <a:t>数据结构</a:t>
+            </a:r>
+            <a:endParaRPr lang="zh-CN" sz="1500" b="1" dirty="0">
+              <a:solidFill>
+                <a:srgbClr val="FFFFFF"/>
+              </a:solidFill>
+              <a:latin typeface="微软雅黑" pitchFamily="34" charset="-122"/>
+              <a:ea typeface="微软雅黑" pitchFamily="34" charset="-122"/>
+              <a:sym typeface="微软雅黑" pitchFamily="34" charset="-122"/>
+            </a:endParaRPr>
+          </a:p>
+        </p:txBody>
+      </p:sp>
+      <p:sp>
+        <p:nvSpPr>
+          <p:cNvPr id="14" name="矩形 6"/>
+          <p:cNvSpPr>
+            <a:spLocks noChangeArrowheads="1"/>
+          </p:cNvSpPr>
+          <p:nvPr/>
+        </p:nvSpPr>
+        <p:spPr bwMode="auto">
+          <a:xfrm>
+            <a:off x="0" y="-1"/>
+            <a:ext cx="1276350" cy="836613"/>
           </a:xfrm>
           <a:prstGeom prst="rect">
             <a:avLst/>
@@ -23717,31 +23726,186 @@
             <a:headEnd/>
             <a:tailEnd/>
           </a:ln>
-          <a:effectLst/>
-        </p:spPr>
-        <p:txBody>
-          <a:bodyPr anchor="ctr"/>
-          <a:lstStyle/>
-          <a:p>
-            <a:pPr eaLnBrk="1" hangingPunct="1">
+        </p:spPr>
+        <p:txBody>
+          <a:bodyPr lIns="90170" tIns="46990" rIns="90170" bIns="46990" anchor="ctr"/>
+          <a:lstStyle/>
+          <a:p>
+            <a:pPr algn="ctr" eaLnBrk="1" hangingPunct="1">
               <a:buFont typeface="Arial" charset="0"/>
               <a:buNone/>
             </a:pPr>
-            <a:endParaRPr lang="zh-CN" altLang="en-US"/>
-          </a:p>
-        </p:txBody>
-      </p:sp>
+            <a:r>
+              <a:rPr lang="zh-CN" altLang="en-US" sz="2100" b="1" dirty="0">
+                <a:solidFill>
+                  <a:srgbClr val="E6F5E1"/>
+                </a:solidFill>
+                <a:latin typeface="微软雅黑" pitchFamily="34" charset="-122"/>
+                <a:ea typeface="微软雅黑" pitchFamily="34" charset="-122"/>
+                <a:sym typeface="微软雅黑" pitchFamily="34" charset="-122"/>
+              </a:rPr>
+              <a:t>概述</a:t>
+            </a:r>
+            <a:endParaRPr lang="en-US" altLang="zh-CN" sz="2100" b="1" dirty="0" smtClean="0">
+              <a:solidFill>
+                <a:srgbClr val="E6F5E1"/>
+              </a:solidFill>
+              <a:latin typeface="微软雅黑" pitchFamily="34" charset="-122"/>
+              <a:ea typeface="微软雅黑" pitchFamily="34" charset="-122"/>
+              <a:sym typeface="微软雅黑" pitchFamily="34" charset="-122"/>
+            </a:endParaRPr>
+          </a:p>
+        </p:txBody>
+      </p:sp>
+      <p:sp>
+        <p:nvSpPr>
+          <p:cNvPr id="15" name="矩形 14"/>
+          <p:cNvSpPr>
+            <a:spLocks noChangeArrowheads="1"/>
+          </p:cNvSpPr>
+          <p:nvPr/>
+        </p:nvSpPr>
+        <p:spPr bwMode="auto">
+          <a:xfrm>
+            <a:off x="2581276" y="-15875"/>
+            <a:ext cx="1276350" cy="549275"/>
+          </a:xfrm>
+          <a:prstGeom prst="rect">
+            <a:avLst/>
+          </a:prstGeom>
+          <a:solidFill>
+            <a:srgbClr val="AFE6F5"/>
+          </a:solidFill>
+          <a:ln w="9525">
+            <a:noFill/>
+            <a:miter lim="800000"/>
+            <a:headEnd/>
+            <a:tailEnd/>
+          </a:ln>
+        </p:spPr>
+        <p:txBody>
+          <a:bodyPr lIns="90170" tIns="46990" rIns="90170" bIns="46990" anchor="ctr"/>
+          <a:lstStyle/>
+          <a:p>
+            <a:pPr algn="ctr" eaLnBrk="1" hangingPunct="1">
+              <a:buFont typeface="Arial" charset="0"/>
+              <a:buNone/>
+            </a:pPr>
+            <a:r>
+              <a:rPr lang="zh-CN" altLang="en-US" sz="1500" b="1" dirty="0" smtClean="0">
+                <a:solidFill>
+                  <a:srgbClr val="FFFFFF"/>
+                </a:solidFill>
+                <a:latin typeface="微软雅黑" pitchFamily="34" charset="-122"/>
+                <a:ea typeface="微软雅黑" pitchFamily="34" charset="-122"/>
+                <a:sym typeface="微软雅黑" pitchFamily="34" charset="-122"/>
+              </a:rPr>
+              <a:t>进程管理</a:t>
+            </a:r>
+            <a:endParaRPr lang="zh-CN" sz="1500" b="1" dirty="0">
+              <a:solidFill>
+                <a:srgbClr val="FFFFFF"/>
+              </a:solidFill>
+              <a:latin typeface="微软雅黑" pitchFamily="34" charset="-122"/>
+              <a:ea typeface="微软雅黑" pitchFamily="34" charset="-122"/>
+              <a:sym typeface="微软雅黑" pitchFamily="34" charset="-122"/>
+            </a:endParaRPr>
+          </a:p>
+        </p:txBody>
+      </p:sp>
+      <p:sp>
+        <p:nvSpPr>
+          <p:cNvPr id="11" name="矩形 10"/>
+          <p:cNvSpPr>
+            <a:spLocks noChangeArrowheads="1"/>
+          </p:cNvSpPr>
+          <p:nvPr/>
+        </p:nvSpPr>
+        <p:spPr bwMode="auto">
+          <a:xfrm>
+            <a:off x="3895159" y="-14402"/>
+            <a:ext cx="1276350" cy="549275"/>
+          </a:xfrm>
+          <a:prstGeom prst="rect">
+            <a:avLst/>
+          </a:prstGeom>
+          <a:solidFill>
+            <a:srgbClr val="AFE6F5"/>
+          </a:solidFill>
+          <a:ln w="9525">
+            <a:noFill/>
+            <a:miter lim="800000"/>
+            <a:headEnd/>
+            <a:tailEnd/>
+          </a:ln>
+        </p:spPr>
+        <p:txBody>
+          <a:bodyPr lIns="90170" tIns="46990" rIns="90170" bIns="46990" anchor="ctr"/>
+          <a:lstStyle/>
+          <a:p>
+            <a:pPr algn="ctr" eaLnBrk="1" hangingPunct="1">
+              <a:buFont typeface="Arial" charset="0"/>
+              <a:buNone/>
+            </a:pPr>
+            <a:r>
+              <a:rPr lang="zh-CN" altLang="en-US" sz="1500" b="1" dirty="0" smtClean="0">
+                <a:solidFill>
+                  <a:srgbClr val="FFFFFF"/>
+                </a:solidFill>
+                <a:latin typeface="微软雅黑" pitchFamily="34" charset="-122"/>
+                <a:ea typeface="微软雅黑" pitchFamily="34" charset="-122"/>
+                <a:sym typeface="微软雅黑" pitchFamily="34" charset="-122"/>
+              </a:rPr>
+              <a:t>调试</a:t>
+            </a:r>
+            <a:endParaRPr lang="zh-CN" sz="1500" b="1" dirty="0">
+              <a:solidFill>
+                <a:srgbClr val="FFFFFF"/>
+              </a:solidFill>
+              <a:latin typeface="微软雅黑" pitchFamily="34" charset="-122"/>
+              <a:ea typeface="微软雅黑" pitchFamily="34" charset="-122"/>
+              <a:sym typeface="微软雅黑" pitchFamily="34" charset="-122"/>
+            </a:endParaRPr>
+          </a:p>
+        </p:txBody>
+      </p:sp>
+      <p:pic>
+        <p:nvPicPr>
+          <p:cNvPr id="3" name="图片 2"/>
+          <p:cNvPicPr>
+            <a:picLocks noChangeAspect="1"/>
+          </p:cNvPicPr>
+          <p:nvPr/>
+        </p:nvPicPr>
+        <p:blipFill>
+          <a:blip r:embed="rId3"/>
+          <a:stretch>
+            <a:fillRect/>
+          </a:stretch>
+        </p:blipFill>
+        <p:spPr>
+          <a:xfrm>
+            <a:off x="1581150" y="1504950"/>
+            <a:ext cx="5981700" cy="3848100"/>
+          </a:xfrm>
+          <a:prstGeom prst="rect">
+            <a:avLst/>
+          </a:prstGeom>
+        </p:spPr>
+      </p:pic>
     </p:spTree>
     <p:extLst>
       <p:ext uri="{BB962C8B-B14F-4D97-AF65-F5344CB8AC3E}">
-        <p14:creationId xmlns:p14="http://schemas.microsoft.com/office/powerpoint/2010/main" val="3674672247"/>
+        <p14:creationId xmlns:p14="http://schemas.microsoft.com/office/powerpoint/2010/main" val="1457764677"/>
       </p:ext>
     </p:extLst>
   </p:cSld>
   <p:clrMapOvr>
     <a:masterClrMapping/>
   </p:clrMapOvr>
-  <p:transition spd="slow"/>
+  <p:transition spd="slow">
+    <p:split orient="vert"/>
+  </p:transition>
   <p:timing>
     <p:tnLst>
       <p:par>
@@ -24126,7 +24290,7 @@
       </p:sp>
       <p:pic>
         <p:nvPicPr>
-          <p:cNvPr id="10" name="图片 9"/>
+          <p:cNvPr id="9" name="图片 8"/>
           <p:cNvPicPr/>
           <p:nvPr/>
         </p:nvPicPr>
@@ -24138,8 +24302,8 @@
         </p:blipFill>
         <p:spPr>
           <a:xfrm>
-            <a:off x="1934845" y="1384300"/>
-            <a:ext cx="5274310" cy="4089400"/>
+            <a:off x="1934845" y="1037272"/>
+            <a:ext cx="5274310" cy="4783455"/>
           </a:xfrm>
           <a:prstGeom prst="rect">
             <a:avLst/>
@@ -24149,7 +24313,7 @@
     </p:spTree>
     <p:extLst>
       <p:ext uri="{BB962C8B-B14F-4D97-AF65-F5344CB8AC3E}">
-        <p14:creationId xmlns:p14="http://schemas.microsoft.com/office/powerpoint/2010/main" val="3667435606"/>
+        <p14:creationId xmlns:p14="http://schemas.microsoft.com/office/powerpoint/2010/main" val="3177976039"/>
       </p:ext>
     </p:extLst>
   </p:cSld>
@@ -24555,8 +24719,8 @@
         </p:blipFill>
         <p:spPr>
           <a:xfrm>
-            <a:off x="1934845" y="1037272"/>
-            <a:ext cx="5274310" cy="4783455"/>
+            <a:off x="1934845" y="1642110"/>
+            <a:ext cx="5274310" cy="3573780"/>
           </a:xfrm>
           <a:prstGeom prst="rect">
             <a:avLst/>
@@ -24566,7 +24730,7 @@
     </p:spTree>
     <p:extLst>
       <p:ext uri="{BB962C8B-B14F-4D97-AF65-F5344CB8AC3E}">
-        <p14:creationId xmlns:p14="http://schemas.microsoft.com/office/powerpoint/2010/main" val="3177976039"/>
+        <p14:creationId xmlns:p14="http://schemas.microsoft.com/office/powerpoint/2010/main" val="2349482567"/>
       </p:ext>
     </p:extLst>
   </p:cSld>
@@ -24972,8 +25136,8 @@
         </p:blipFill>
         <p:spPr>
           <a:xfrm>
-            <a:off x="1934845" y="1642110"/>
-            <a:ext cx="5274310" cy="3573780"/>
+            <a:off x="1934845" y="2013267"/>
+            <a:ext cx="5274310" cy="2831465"/>
           </a:xfrm>
           <a:prstGeom prst="rect">
             <a:avLst/>
@@ -24983,7 +25147,7 @@
     </p:spTree>
     <p:extLst>
       <p:ext uri="{BB962C8B-B14F-4D97-AF65-F5344CB8AC3E}">
-        <p14:creationId xmlns:p14="http://schemas.microsoft.com/office/powerpoint/2010/main" val="2349482567"/>
+        <p14:creationId xmlns:p14="http://schemas.microsoft.com/office/powerpoint/2010/main" val="1280130457"/>
       </p:ext>
     </p:extLst>
   </p:cSld>
@@ -25111,423 +25275,6 @@
         <p:spPr bwMode="auto">
           <a:xfrm>
             <a:off x="7362825" y="117475"/>
-            <a:ext cx="1450975" cy="830997"/>
-          </a:xfrm>
-          <a:prstGeom prst="rect">
-            <a:avLst/>
-          </a:prstGeom>
-          <a:noFill/>
-          <a:ln w="9525">
-            <a:noFill/>
-            <a:miter lim="800000"/>
-            <a:headEnd/>
-            <a:tailEnd/>
-          </a:ln>
-          <a:effectLst/>
-        </p:spPr>
-        <p:txBody>
-          <a:bodyPr>
-            <a:spAutoFit/>
-          </a:bodyPr>
-          <a:lstStyle/>
-          <a:p>
-            <a:pPr eaLnBrk="1" hangingPunct="1">
-              <a:buFont typeface="Arial" charset="0"/>
-              <a:buNone/>
-            </a:pPr>
-            <a:r>
-              <a:rPr lang="en-US" altLang="zh-CN" sz="2400" b="1" dirty="0" smtClean="0">
-                <a:solidFill>
-                  <a:srgbClr val="FFC68D"/>
-                </a:solidFill>
-                <a:latin typeface="黑体" pitchFamily="49" charset="-122"/>
-                <a:ea typeface="黑体" pitchFamily="49" charset="-122"/>
-                <a:sym typeface="黑体" pitchFamily="49" charset="-122"/>
-              </a:rPr>
-              <a:t>Dump activity</a:t>
-            </a:r>
-          </a:p>
-        </p:txBody>
-      </p:sp>
-      <p:sp>
-        <p:nvSpPr>
-          <p:cNvPr id="20" name="矩形 19"/>
-          <p:cNvSpPr>
-            <a:spLocks noChangeArrowheads="1"/>
-          </p:cNvSpPr>
-          <p:nvPr/>
-        </p:nvSpPr>
-        <p:spPr bwMode="auto">
-          <a:xfrm>
-            <a:off x="0" y="-3815"/>
-            <a:ext cx="1276350" cy="549275"/>
-          </a:xfrm>
-          <a:prstGeom prst="rect">
-            <a:avLst/>
-          </a:prstGeom>
-          <a:solidFill>
-            <a:srgbClr val="AFE6F5"/>
-          </a:solidFill>
-          <a:ln w="9525">
-            <a:noFill/>
-            <a:miter lim="800000"/>
-            <a:headEnd/>
-            <a:tailEnd/>
-          </a:ln>
-        </p:spPr>
-        <p:txBody>
-          <a:bodyPr lIns="90170" tIns="46990" rIns="90170" bIns="46990" anchor="ctr"/>
-          <a:lstStyle/>
-          <a:p>
-            <a:pPr algn="ctr" eaLnBrk="1" hangingPunct="1"/>
-            <a:r>
-              <a:rPr lang="zh-CN" altLang="en-US" sz="1600" b="1" dirty="0" smtClean="0">
-                <a:solidFill>
-                  <a:srgbClr val="E6F5E1"/>
-                </a:solidFill>
-                <a:latin typeface="微软雅黑" pitchFamily="34" charset="-122"/>
-                <a:ea typeface="微软雅黑" pitchFamily="34" charset="-122"/>
-                <a:sym typeface="微软雅黑" pitchFamily="34" charset="-122"/>
-              </a:rPr>
-              <a:t>概述</a:t>
-            </a:r>
-            <a:endParaRPr lang="en-US" altLang="zh-CN" sz="1600" b="1" dirty="0">
-              <a:solidFill>
-                <a:srgbClr val="E6F5E1"/>
-              </a:solidFill>
-              <a:latin typeface="微软雅黑" pitchFamily="34" charset="-122"/>
-              <a:ea typeface="微软雅黑" pitchFamily="34" charset="-122"/>
-              <a:sym typeface="微软雅黑" pitchFamily="34" charset="-122"/>
-            </a:endParaRPr>
-          </a:p>
-        </p:txBody>
-      </p:sp>
-      <p:sp>
-        <p:nvSpPr>
-          <p:cNvPr id="22" name="矩形 21"/>
-          <p:cNvSpPr>
-            <a:spLocks noChangeArrowheads="1"/>
-          </p:cNvSpPr>
-          <p:nvPr/>
-        </p:nvSpPr>
-        <p:spPr bwMode="auto">
-          <a:xfrm>
-            <a:off x="1296657" y="-3815"/>
-            <a:ext cx="1276350" cy="549275"/>
-          </a:xfrm>
-          <a:prstGeom prst="rect">
-            <a:avLst/>
-          </a:prstGeom>
-          <a:solidFill>
-            <a:srgbClr val="AFE6F5"/>
-          </a:solidFill>
-          <a:ln w="9525">
-            <a:noFill/>
-            <a:miter lim="800000"/>
-            <a:headEnd/>
-            <a:tailEnd/>
-          </a:ln>
-        </p:spPr>
-        <p:txBody>
-          <a:bodyPr lIns="90170" tIns="46990" rIns="90170" bIns="46990" anchor="ctr"/>
-          <a:lstStyle/>
-          <a:p>
-            <a:pPr algn="ctr" eaLnBrk="1" hangingPunct="1">
-              <a:buFont typeface="Arial" charset="0"/>
-              <a:buNone/>
-            </a:pPr>
-            <a:r>
-              <a:rPr lang="zh-CN" altLang="en-US" sz="1500" b="1" dirty="0" smtClean="0">
-                <a:solidFill>
-                  <a:srgbClr val="FFFFFF"/>
-                </a:solidFill>
-                <a:latin typeface="微软雅黑" pitchFamily="34" charset="-122"/>
-                <a:ea typeface="微软雅黑" pitchFamily="34" charset="-122"/>
-                <a:sym typeface="微软雅黑" pitchFamily="34" charset="-122"/>
-              </a:rPr>
-              <a:t>数据结构</a:t>
-            </a:r>
-            <a:endParaRPr lang="zh-CN" sz="1500" b="1" dirty="0">
-              <a:solidFill>
-                <a:srgbClr val="FFFFFF"/>
-              </a:solidFill>
-              <a:latin typeface="微软雅黑" pitchFamily="34" charset="-122"/>
-              <a:ea typeface="微软雅黑" pitchFamily="34" charset="-122"/>
-              <a:sym typeface="微软雅黑" pitchFamily="34" charset="-122"/>
-            </a:endParaRPr>
-          </a:p>
-        </p:txBody>
-      </p:sp>
-      <p:sp>
-        <p:nvSpPr>
-          <p:cNvPr id="23" name="矩形 22"/>
-          <p:cNvSpPr>
-            <a:spLocks noChangeArrowheads="1"/>
-          </p:cNvSpPr>
-          <p:nvPr/>
-        </p:nvSpPr>
-        <p:spPr bwMode="auto">
-          <a:xfrm>
-            <a:off x="2597922" y="0"/>
-            <a:ext cx="1276350" cy="549275"/>
-          </a:xfrm>
-          <a:prstGeom prst="rect">
-            <a:avLst/>
-          </a:prstGeom>
-          <a:solidFill>
-            <a:srgbClr val="AFE6F5"/>
-          </a:solidFill>
-          <a:ln w="9525">
-            <a:noFill/>
-            <a:miter lim="800000"/>
-            <a:headEnd/>
-            <a:tailEnd/>
-          </a:ln>
-        </p:spPr>
-        <p:txBody>
-          <a:bodyPr lIns="90170" tIns="46990" rIns="90170" bIns="46990" anchor="ctr"/>
-          <a:lstStyle/>
-          <a:p>
-            <a:pPr algn="ctr" eaLnBrk="1" hangingPunct="1"/>
-            <a:r>
-              <a:rPr lang="zh-CN" altLang="en-US" sz="1600" b="1" dirty="0">
-                <a:solidFill>
-                  <a:srgbClr val="FFFFFF"/>
-                </a:solidFill>
-                <a:latin typeface="微软雅黑" pitchFamily="34" charset="-122"/>
-                <a:ea typeface="微软雅黑" pitchFamily="34" charset="-122"/>
-                <a:sym typeface="微软雅黑" pitchFamily="34" charset="-122"/>
-              </a:rPr>
-              <a:t>进程</a:t>
-            </a:r>
-            <a:r>
-              <a:rPr lang="zh-CN" altLang="en-US" sz="1600" b="1" dirty="0" smtClean="0">
-                <a:solidFill>
-                  <a:srgbClr val="FFFFFF"/>
-                </a:solidFill>
-                <a:latin typeface="微软雅黑" pitchFamily="34" charset="-122"/>
-                <a:ea typeface="微软雅黑" pitchFamily="34" charset="-122"/>
-                <a:sym typeface="微软雅黑" pitchFamily="34" charset="-122"/>
-              </a:rPr>
-              <a:t>管理</a:t>
-            </a:r>
-            <a:endParaRPr lang="en-US" altLang="zh-CN" sz="1600" b="1" dirty="0">
-              <a:solidFill>
-                <a:srgbClr val="E6F5E1"/>
-              </a:solidFill>
-              <a:latin typeface="微软雅黑" pitchFamily="34" charset="-122"/>
-              <a:ea typeface="微软雅黑" pitchFamily="34" charset="-122"/>
-              <a:sym typeface="微软雅黑" pitchFamily="34" charset="-122"/>
-            </a:endParaRPr>
-          </a:p>
-        </p:txBody>
-      </p:sp>
-      <p:sp>
-        <p:nvSpPr>
-          <p:cNvPr id="11" name="矩形 6"/>
-          <p:cNvSpPr>
-            <a:spLocks noChangeArrowheads="1"/>
-          </p:cNvSpPr>
-          <p:nvPr/>
-        </p:nvSpPr>
-        <p:spPr bwMode="auto">
-          <a:xfrm>
-            <a:off x="3919494" y="0"/>
-            <a:ext cx="1276350" cy="836613"/>
-          </a:xfrm>
-          <a:prstGeom prst="rect">
-            <a:avLst/>
-          </a:prstGeom>
-          <a:solidFill>
-            <a:srgbClr val="19B4DC"/>
-          </a:solidFill>
-          <a:ln w="9525">
-            <a:noFill/>
-            <a:miter lim="800000"/>
-            <a:headEnd/>
-            <a:tailEnd/>
-          </a:ln>
-        </p:spPr>
-        <p:txBody>
-          <a:bodyPr lIns="90170" tIns="46990" rIns="90170" bIns="46990" anchor="ctr"/>
-          <a:lstStyle/>
-          <a:p>
-            <a:pPr algn="ctr" eaLnBrk="1" hangingPunct="1"/>
-            <a:r>
-              <a:rPr lang="zh-CN" altLang="en-US" sz="2000" b="1" dirty="0" smtClean="0">
-                <a:solidFill>
-                  <a:srgbClr val="E6F5E1"/>
-                </a:solidFill>
-                <a:latin typeface="微软雅黑" pitchFamily="34" charset="-122"/>
-                <a:ea typeface="微软雅黑" pitchFamily="34" charset="-122"/>
-                <a:sym typeface="微软雅黑" pitchFamily="34" charset="-122"/>
-              </a:rPr>
-              <a:t>调试</a:t>
-            </a:r>
-            <a:endParaRPr lang="en-US" altLang="zh-CN" sz="2000" b="1" dirty="0">
-              <a:solidFill>
-                <a:srgbClr val="E6F5E1"/>
-              </a:solidFill>
-              <a:latin typeface="微软雅黑" pitchFamily="34" charset="-122"/>
-              <a:ea typeface="微软雅黑" pitchFamily="34" charset="-122"/>
-              <a:sym typeface="微软雅黑" pitchFamily="34" charset="-122"/>
-            </a:endParaRPr>
-          </a:p>
-        </p:txBody>
-      </p:sp>
-      <p:pic>
-        <p:nvPicPr>
-          <p:cNvPr id="9" name="图片 8"/>
-          <p:cNvPicPr/>
-          <p:nvPr/>
-        </p:nvPicPr>
-        <p:blipFill>
-          <a:blip r:embed="rId3"/>
-          <a:stretch>
-            <a:fillRect/>
-          </a:stretch>
-        </p:blipFill>
-        <p:spPr>
-          <a:xfrm>
-            <a:off x="1934845" y="2013267"/>
-            <a:ext cx="5274310" cy="2831465"/>
-          </a:xfrm>
-          <a:prstGeom prst="rect">
-            <a:avLst/>
-          </a:prstGeom>
-        </p:spPr>
-      </p:pic>
-    </p:spTree>
-    <p:extLst>
-      <p:ext uri="{BB962C8B-B14F-4D97-AF65-F5344CB8AC3E}">
-        <p14:creationId xmlns:p14="http://schemas.microsoft.com/office/powerpoint/2010/main" val="1280130457"/>
-      </p:ext>
-    </p:extLst>
-  </p:cSld>
-  <p:clrMapOvr>
-    <a:masterClrMapping/>
-  </p:clrMapOvr>
-  <p:transition spd="slow">
-    <p:split orient="vert"/>
-  </p:transition>
-  <p:timing>
-    <p:tnLst>
-      <p:par>
-        <p:cTn id="1" dur="indefinite" restart="never" nodeType="tmRoot"/>
-      </p:par>
-    </p:tnLst>
-  </p:timing>
-</p:sld>
-</file>
-
-<file path=ppt/slides/slide34.xml><?xml version="1.0" encoding="utf-8"?>
-<p:sld xmlns:a="http://schemas.openxmlformats.org/drawingml/2006/main" xmlns:r="http://schemas.openxmlformats.org/officeDocument/2006/relationships" xmlns:p="http://schemas.openxmlformats.org/presentationml/2006/main">
-  <p:cSld>
-    <p:spTree>
-      <p:nvGrpSpPr>
-        <p:cNvPr id="1" name=""/>
-        <p:cNvGrpSpPr/>
-        <p:nvPr/>
-      </p:nvGrpSpPr>
-      <p:grpSpPr>
-        <a:xfrm>
-          <a:off x="0" y="0"/>
-          <a:ext cx="0" cy="0"/>
-          <a:chOff x="0" y="0"/>
-          <a:chExt cx="0" cy="0"/>
-        </a:xfrm>
-      </p:grpSpPr>
-      <p:sp>
-        <p:nvSpPr>
-          <p:cNvPr id="5129" name="矩形 11"/>
-          <p:cNvSpPr>
-            <a:spLocks noChangeArrowheads="1"/>
-          </p:cNvSpPr>
-          <p:nvPr/>
-        </p:nvSpPr>
-        <p:spPr bwMode="auto">
-          <a:xfrm>
-            <a:off x="0" y="6597650"/>
-            <a:ext cx="9139238" cy="260350"/>
-          </a:xfrm>
-          <a:prstGeom prst="rect">
-            <a:avLst/>
-          </a:prstGeom>
-          <a:solidFill>
-            <a:srgbClr val="19B4DC"/>
-          </a:solidFill>
-          <a:ln w="9525">
-            <a:noFill/>
-            <a:miter lim="800000"/>
-            <a:headEnd/>
-            <a:tailEnd/>
-          </a:ln>
-          <a:effectLst/>
-        </p:spPr>
-        <p:txBody>
-          <a:bodyPr lIns="90170" tIns="46990" rIns="90170" bIns="46990" anchor="ctr"/>
-          <a:lstStyle/>
-          <a:p>
-            <a:pPr algn="ctr" eaLnBrk="1" hangingPunct="1">
-              <a:buFont typeface="Arial" charset="0"/>
-              <a:buNone/>
-            </a:pPr>
-            <a:endParaRPr lang="zh-CN" altLang="zh-CN" sz="1300">
-              <a:solidFill>
-                <a:srgbClr val="CCEDC7"/>
-              </a:solidFill>
-              <a:latin typeface="宋体" pitchFamily="2" charset="-122"/>
-              <a:sym typeface="宋体" pitchFamily="2" charset="-122"/>
-            </a:endParaRPr>
-          </a:p>
-        </p:txBody>
-      </p:sp>
-      <p:sp>
-        <p:nvSpPr>
-          <p:cNvPr id="18" name="直接连接符 13"/>
-          <p:cNvSpPr>
-            <a:spLocks noChangeShapeType="1"/>
-          </p:cNvSpPr>
-          <p:nvPr/>
-        </p:nvSpPr>
-        <p:spPr bwMode="auto">
-          <a:xfrm flipH="1">
-            <a:off x="7019925" y="533400"/>
-            <a:ext cx="1917700" cy="1588"/>
-          </a:xfrm>
-          <a:prstGeom prst="line">
-            <a:avLst/>
-          </a:prstGeom>
-          <a:noFill/>
-          <a:ln w="6350">
-            <a:solidFill>
-              <a:srgbClr val="E6F5E1"/>
-            </a:solidFill>
-            <a:round/>
-            <a:headEnd type="triangle" w="lg" len="lg"/>
-            <a:tailEnd type="oval" w="sm" len="sm"/>
-          </a:ln>
-          <a:effectLst/>
-        </p:spPr>
-        <p:txBody>
-          <a:bodyPr/>
-          <a:lstStyle/>
-          <a:p>
-            <a:endParaRPr lang="zh-CN" altLang="en-US"/>
-          </a:p>
-        </p:txBody>
-      </p:sp>
-      <p:sp>
-        <p:nvSpPr>
-          <p:cNvPr id="19" name="TextBox 4"/>
-          <p:cNvSpPr>
-            <a:spLocks noChangeArrowheads="1"/>
-          </p:cNvSpPr>
-          <p:nvPr/>
-        </p:nvSpPr>
-        <p:spPr bwMode="auto">
-          <a:xfrm>
-            <a:off x="7362825" y="117475"/>
             <a:ext cx="1450975" cy="1569660"/>
           </a:xfrm>
           <a:prstGeom prst="rect">
@@ -25847,7 +25594,7 @@
 </p:sld>
 </file>
 
-<file path=ppt/slides/slide35.xml><?xml version="1.0" encoding="utf-8"?>
+<file path=ppt/slides/slide34.xml><?xml version="1.0" encoding="utf-8"?>
 <p:sld xmlns:a="http://schemas.openxmlformats.org/drawingml/2006/main" xmlns:r="http://schemas.openxmlformats.org/officeDocument/2006/relationships" xmlns:p="http://schemas.openxmlformats.org/presentationml/2006/main">
   <p:cSld>
     <p:spTree>
@@ -26134,7 +25881,7 @@
                 <a:ea typeface="黑体" pitchFamily="49" charset="-122"/>
                 <a:sym typeface="黑体" pitchFamily="49" charset="-122"/>
               </a:rPr>
-              <a:t>功能</a:t>
+              <a:t>基本架构</a:t>
             </a:r>
             <a:endParaRPr lang="zh-CN" altLang="en-US" sz="2400" b="1" dirty="0">
               <a:solidFill>
@@ -26418,32 +26165,74 @@
       </p:sp>
       <p:pic>
         <p:nvPicPr>
-          <p:cNvPr id="3" name="图片 2"/>
-          <p:cNvPicPr>
-            <a:picLocks noChangeAspect="1"/>
-          </p:cNvPicPr>
+          <p:cNvPr id="12" name="图片 11" descr="Activity_Manager_Service"/>
+          <p:cNvPicPr/>
           <p:nvPr/>
         </p:nvPicPr>
         <p:blipFill>
-          <a:blip r:embed="rId3"/>
+          <a:blip r:embed="rId3">
+            <a:extLst>
+              <a:ext uri="{28A0092B-C50C-407E-A947-70E740481C1C}">
+                <a14:useLocalDpi xmlns:a14="http://schemas.microsoft.com/office/drawing/2010/main" val="0"/>
+              </a:ext>
+            </a:extLst>
+          </a:blip>
+          <a:srcRect/>
           <a:stretch>
             <a:fillRect/>
           </a:stretch>
         </p:blipFill>
-        <p:spPr>
+        <p:spPr bwMode="auto">
           <a:xfrm>
-            <a:off x="1581150" y="1504950"/>
-            <a:ext cx="5981700" cy="3848100"/>
+            <a:off x="1745615" y="1049412"/>
+            <a:ext cx="5274310" cy="3305810"/>
           </a:xfrm>
           <a:prstGeom prst="rect">
             <a:avLst/>
           </a:prstGeom>
+          <a:noFill/>
+          <a:ln>
+            <a:noFill/>
+          </a:ln>
+        </p:spPr>
+      </p:pic>
+      <p:pic>
+        <p:nvPicPr>
+          <p:cNvPr id="13" name="图片 12" descr="http://wiki.jikexueyuan.com/project/deep-android-v2/images/chapter6/image001.png"/>
+          <p:cNvPicPr/>
+          <p:nvPr/>
+        </p:nvPicPr>
+        <p:blipFill>
+          <a:blip r:embed="rId4">
+            <a:extLst>
+              <a:ext uri="{28A0092B-C50C-407E-A947-70E740481C1C}">
+                <a14:useLocalDpi xmlns:a14="http://schemas.microsoft.com/office/drawing/2010/main" val="0"/>
+              </a:ext>
+            </a:extLst>
+          </a:blip>
+          <a:srcRect/>
+          <a:stretch>
+            <a:fillRect/>
+          </a:stretch>
+        </p:blipFill>
+        <p:spPr bwMode="auto">
+          <a:xfrm>
+            <a:off x="1896179" y="4581080"/>
+            <a:ext cx="5274310" cy="1641475"/>
+          </a:xfrm>
+          <a:prstGeom prst="rect">
+            <a:avLst/>
+          </a:prstGeom>
+          <a:noFill/>
+          <a:ln>
+            <a:noFill/>
+          </a:ln>
         </p:spPr>
       </p:pic>
     </p:spTree>
     <p:extLst>
       <p:ext uri="{BB962C8B-B14F-4D97-AF65-F5344CB8AC3E}">
-        <p14:creationId xmlns:p14="http://schemas.microsoft.com/office/powerpoint/2010/main" val="1457764677"/>
+        <p14:creationId xmlns:p14="http://schemas.microsoft.com/office/powerpoint/2010/main" val="3451440138"/>
       </p:ext>
     </p:extLst>
   </p:cSld>
@@ -26559,7 +26348,7 @@
                 <a:ea typeface="黑体" pitchFamily="49" charset="-122"/>
                 <a:sym typeface="黑体" pitchFamily="49" charset="-122"/>
               </a:rPr>
-              <a:t>基本架构</a:t>
+              <a:t>启动过程</a:t>
             </a:r>
             <a:endParaRPr lang="zh-CN" altLang="en-US" sz="2400" b="1" dirty="0">
               <a:solidFill>
@@ -26785,65 +26574,9 @@
           </a:p>
         </p:txBody>
       </p:sp>
-      <p:sp>
-        <p:nvSpPr>
-          <p:cNvPr id="11" name="矩形 10"/>
-          <p:cNvSpPr>
-            <a:spLocks noChangeArrowheads="1"/>
-          </p:cNvSpPr>
-          <p:nvPr/>
-        </p:nvSpPr>
-        <p:spPr bwMode="auto">
-          <a:xfrm>
-            <a:off x="3895159" y="-14402"/>
-            <a:ext cx="1276350" cy="549275"/>
-          </a:xfrm>
-          <a:prstGeom prst="rect">
-            <a:avLst/>
-          </a:prstGeom>
-          <a:solidFill>
-            <a:srgbClr val="AFE6F5"/>
-          </a:solidFill>
-          <a:ln w="9525">
-            <a:noFill/>
-            <a:miter lim="800000"/>
-            <a:headEnd/>
-            <a:tailEnd/>
-          </a:ln>
-        </p:spPr>
-        <p:txBody>
-          <a:bodyPr lIns="90170" tIns="46990" rIns="90170" bIns="46990" anchor="ctr"/>
-          <a:lstStyle/>
-          <a:p>
-            <a:pPr algn="ctr" eaLnBrk="1" hangingPunct="1">
-              <a:buFont typeface="Arial" charset="0"/>
-              <a:buNone/>
-            </a:pPr>
-            <a:r>
-              <a:rPr lang="zh-CN" altLang="en-US" sz="1500" b="1" dirty="0" smtClean="0">
-                <a:solidFill>
-                  <a:srgbClr val="FFFFFF"/>
-                </a:solidFill>
-                <a:latin typeface="微软雅黑" pitchFamily="34" charset="-122"/>
-                <a:ea typeface="微软雅黑" pitchFamily="34" charset="-122"/>
-                <a:sym typeface="微软雅黑" pitchFamily="34" charset="-122"/>
-              </a:rPr>
-              <a:t>调试</a:t>
-            </a:r>
-            <a:endParaRPr lang="zh-CN" sz="1500" b="1" dirty="0">
-              <a:solidFill>
-                <a:srgbClr val="FFFFFF"/>
-              </a:solidFill>
-              <a:latin typeface="微软雅黑" pitchFamily="34" charset="-122"/>
-              <a:ea typeface="微软雅黑" pitchFamily="34" charset="-122"/>
-              <a:sym typeface="微软雅黑" pitchFamily="34" charset="-122"/>
-            </a:endParaRPr>
-          </a:p>
-        </p:txBody>
-      </p:sp>
       <p:pic>
         <p:nvPicPr>
-          <p:cNvPr id="12" name="图片 11" descr="Activity_Manager_Service"/>
+          <p:cNvPr id="10" name="图片 9" descr="https://images2015.cnblogs.com/blog/328668/201608/328668-20160821221551073-42724926.png"/>
           <p:cNvPicPr/>
           <p:nvPr/>
         </p:nvPicPr>
@@ -26862,8 +26595,8 @@
         </p:blipFill>
         <p:spPr bwMode="auto">
           <a:xfrm>
-            <a:off x="1745615" y="1049412"/>
-            <a:ext cx="5274310" cy="3305810"/>
+            <a:off x="1934845" y="722947"/>
+            <a:ext cx="5274310" cy="5412105"/>
           </a:xfrm>
           <a:prstGeom prst="rect">
             <a:avLst/>
@@ -26874,43 +26607,66 @@
           </a:ln>
         </p:spPr>
       </p:pic>
-      <p:pic>
-        <p:nvPicPr>
-          <p:cNvPr id="13" name="图片 12" descr="http://wiki.jikexueyuan.com/project/deep-android-v2/images/chapter6/image001.png"/>
-          <p:cNvPicPr/>
+      <p:sp>
+        <p:nvSpPr>
+          <p:cNvPr id="11" name="矩形 10"/>
+          <p:cNvSpPr>
+            <a:spLocks noChangeArrowheads="1"/>
+          </p:cNvSpPr>
           <p:nvPr/>
-        </p:nvPicPr>
-        <p:blipFill>
-          <a:blip r:embed="rId4">
-            <a:extLst>
-              <a:ext uri="{28A0092B-C50C-407E-A947-70E740481C1C}">
-                <a14:useLocalDpi xmlns:a14="http://schemas.microsoft.com/office/drawing/2010/main" val="0"/>
-              </a:ext>
-            </a:extLst>
-          </a:blip>
-          <a:srcRect/>
-          <a:stretch>
-            <a:fillRect/>
-          </a:stretch>
-        </p:blipFill>
+        </p:nvSpPr>
         <p:spPr bwMode="auto">
           <a:xfrm>
-            <a:off x="1896179" y="4581080"/>
-            <a:ext cx="5274310" cy="1641475"/>
+            <a:off x="3895159" y="-14402"/>
+            <a:ext cx="1276350" cy="549275"/>
           </a:xfrm>
           <a:prstGeom prst="rect">
             <a:avLst/>
           </a:prstGeom>
-          <a:noFill/>
-          <a:ln>
+          <a:solidFill>
+            <a:srgbClr val="AFE6F5"/>
+          </a:solidFill>
+          <a:ln w="9525">
             <a:noFill/>
+            <a:miter lim="800000"/>
+            <a:headEnd/>
+            <a:tailEnd/>
           </a:ln>
         </p:spPr>
-      </p:pic>
+        <p:txBody>
+          <a:bodyPr lIns="90170" tIns="46990" rIns="90170" bIns="46990" anchor="ctr"/>
+          <a:lstStyle/>
+          <a:p>
+            <a:pPr algn="ctr" eaLnBrk="1" hangingPunct="1">
+              <a:buFont typeface="Arial" charset="0"/>
+              <a:buNone/>
+            </a:pPr>
+            <a:r>
+              <a:rPr lang="zh-CN" altLang="en-US" sz="1500" b="1" dirty="0" smtClean="0">
+                <a:solidFill>
+                  <a:srgbClr val="FFFFFF"/>
+                </a:solidFill>
+                <a:latin typeface="微软雅黑" pitchFamily="34" charset="-122"/>
+                <a:ea typeface="微软雅黑" pitchFamily="34" charset="-122"/>
+                <a:sym typeface="微软雅黑" pitchFamily="34" charset="-122"/>
+              </a:rPr>
+              <a:t>调试</a:t>
+            </a:r>
+            <a:endParaRPr lang="zh-CN" sz="1500" b="1" dirty="0">
+              <a:solidFill>
+                <a:srgbClr val="FFFFFF"/>
+              </a:solidFill>
+              <a:latin typeface="微软雅黑" pitchFamily="34" charset="-122"/>
+              <a:ea typeface="微软雅黑" pitchFamily="34" charset="-122"/>
+              <a:sym typeface="微软雅黑" pitchFamily="34" charset="-122"/>
+            </a:endParaRPr>
+          </a:p>
+        </p:txBody>
+      </p:sp>
     </p:spTree>
     <p:extLst>
       <p:ext uri="{BB962C8B-B14F-4D97-AF65-F5344CB8AC3E}">
-        <p14:creationId xmlns:p14="http://schemas.microsoft.com/office/powerpoint/2010/main" val="3451440138"/>
+        <p14:creationId xmlns:p14="http://schemas.microsoft.com/office/powerpoint/2010/main" val="3906738123"/>
       </p:ext>
     </p:extLst>
   </p:cSld>
@@ -26949,7 +26705,76 @@
       </p:grpSpPr>
       <p:sp>
         <p:nvSpPr>
-          <p:cNvPr id="5124" name="直接连接符 13"/>
+          <p:cNvPr id="5129" name="矩形 11"/>
+          <p:cNvSpPr>
+            <a:spLocks noChangeArrowheads="1"/>
+          </p:cNvSpPr>
+          <p:nvPr/>
+        </p:nvSpPr>
+        <p:spPr bwMode="auto">
+          <a:xfrm>
+            <a:off x="0" y="6597650"/>
+            <a:ext cx="9139238" cy="260350"/>
+          </a:xfrm>
+          <a:prstGeom prst="rect">
+            <a:avLst/>
+          </a:prstGeom>
+          <a:solidFill>
+            <a:srgbClr val="19B4DC"/>
+          </a:solidFill>
+          <a:ln w="9525">
+            <a:noFill/>
+            <a:miter lim="800000"/>
+            <a:headEnd/>
+            <a:tailEnd/>
+          </a:ln>
+          <a:effectLst/>
+        </p:spPr>
+        <p:txBody>
+          <a:bodyPr lIns="90170" tIns="46990" rIns="90170" bIns="46990" anchor="ctr"/>
+          <a:lstStyle/>
+          <a:p>
+            <a:pPr algn="ctr" eaLnBrk="1" hangingPunct="1">
+              <a:buFont typeface="Arial" charset="0"/>
+              <a:buNone/>
+            </a:pPr>
+            <a:endParaRPr lang="zh-CN" altLang="zh-CN" sz="1300">
+              <a:solidFill>
+                <a:srgbClr val="CCEDC7"/>
+              </a:solidFill>
+              <a:latin typeface="宋体" pitchFamily="2" charset="-122"/>
+              <a:sym typeface="宋体" pitchFamily="2" charset="-122"/>
+            </a:endParaRPr>
+          </a:p>
+        </p:txBody>
+      </p:sp>
+      <p:pic>
+        <p:nvPicPr>
+          <p:cNvPr id="2" name="图片 1"/>
+          <p:cNvPicPr>
+            <a:picLocks noChangeAspect="1"/>
+          </p:cNvPicPr>
+          <p:nvPr/>
+        </p:nvPicPr>
+        <p:blipFill>
+          <a:blip r:embed="rId3"/>
+          <a:stretch>
+            <a:fillRect/>
+          </a:stretch>
+        </p:blipFill>
+        <p:spPr>
+          <a:xfrm>
+            <a:off x="1817286" y="946137"/>
+            <a:ext cx="5504666" cy="5472380"/>
+          </a:xfrm>
+          <a:prstGeom prst="rect">
+            <a:avLst/>
+          </a:prstGeom>
+        </p:spPr>
+      </p:pic>
+      <p:sp>
+        <p:nvSpPr>
+          <p:cNvPr id="10" name="直接连接符 13"/>
           <p:cNvSpPr>
             <a:spLocks noChangeShapeType="1"/>
           </p:cNvSpPr>
@@ -26984,7 +26809,7 @@
       </p:sp>
       <p:sp>
         <p:nvSpPr>
-          <p:cNvPr id="5125" name="TextBox 4"/>
+          <p:cNvPr id="12" name="TextBox 4"/>
           <p:cNvSpPr>
             <a:spLocks noChangeArrowheads="1"/>
           </p:cNvSpPr>
@@ -27041,52 +26866,7 @@
       </p:sp>
       <p:sp>
         <p:nvSpPr>
-          <p:cNvPr id="5129" name="矩形 11"/>
-          <p:cNvSpPr>
-            <a:spLocks noChangeArrowheads="1"/>
-          </p:cNvSpPr>
-          <p:nvPr/>
-        </p:nvSpPr>
-        <p:spPr bwMode="auto">
-          <a:xfrm>
-            <a:off x="0" y="6597650"/>
-            <a:ext cx="9139238" cy="260350"/>
-          </a:xfrm>
-          <a:prstGeom prst="rect">
-            <a:avLst/>
-          </a:prstGeom>
-          <a:solidFill>
-            <a:srgbClr val="19B4DC"/>
-          </a:solidFill>
-          <a:ln w="9525">
-            <a:noFill/>
-            <a:miter lim="800000"/>
-            <a:headEnd/>
-            <a:tailEnd/>
-          </a:ln>
-          <a:effectLst/>
-        </p:spPr>
-        <p:txBody>
-          <a:bodyPr lIns="90170" tIns="46990" rIns="90170" bIns="46990" anchor="ctr"/>
-          <a:lstStyle/>
-          <a:p>
-            <a:pPr algn="ctr" eaLnBrk="1" hangingPunct="1">
-              <a:buFont typeface="Arial" charset="0"/>
-              <a:buNone/>
-            </a:pPr>
-            <a:endParaRPr lang="zh-CN" altLang="zh-CN" sz="1300">
-              <a:solidFill>
-                <a:srgbClr val="CCEDC7"/>
-              </a:solidFill>
-              <a:latin typeface="宋体" pitchFamily="2" charset="-122"/>
-              <a:sym typeface="宋体" pitchFamily="2" charset="-122"/>
-            </a:endParaRPr>
-          </a:p>
-        </p:txBody>
-      </p:sp>
-      <p:sp>
-        <p:nvSpPr>
-          <p:cNvPr id="8" name="矩形 7"/>
+          <p:cNvPr id="13" name="矩形 12"/>
           <p:cNvSpPr>
             <a:spLocks noChangeArrowheads="1"/>
           </p:cNvSpPr>
@@ -27142,7 +26922,7 @@
       </p:sp>
       <p:sp>
         <p:nvSpPr>
-          <p:cNvPr id="14" name="矩形 6"/>
+          <p:cNvPr id="16" name="矩形 6"/>
           <p:cNvSpPr>
             <a:spLocks noChangeArrowheads="1"/>
           </p:cNvSpPr>
@@ -27198,7 +26978,7 @@
       </p:sp>
       <p:sp>
         <p:nvSpPr>
-          <p:cNvPr id="15" name="矩形 14"/>
+          <p:cNvPr id="17" name="矩形 16"/>
           <p:cNvSpPr>
             <a:spLocks noChangeArrowheads="1"/>
           </p:cNvSpPr>
@@ -27252,42 +27032,9 @@
           </a:p>
         </p:txBody>
       </p:sp>
-      <p:pic>
-        <p:nvPicPr>
-          <p:cNvPr id="10" name="图片 9" descr="https://images2015.cnblogs.com/blog/328668/201608/328668-20160821221551073-42724926.png"/>
-          <p:cNvPicPr/>
-          <p:nvPr/>
-        </p:nvPicPr>
-        <p:blipFill>
-          <a:blip r:embed="rId3">
-            <a:extLst>
-              <a:ext uri="{28A0092B-C50C-407E-A947-70E740481C1C}">
-                <a14:useLocalDpi xmlns:a14="http://schemas.microsoft.com/office/drawing/2010/main" val="0"/>
-              </a:ext>
-            </a:extLst>
-          </a:blip>
-          <a:srcRect/>
-          <a:stretch>
-            <a:fillRect/>
-          </a:stretch>
-        </p:blipFill>
-        <p:spPr bwMode="auto">
-          <a:xfrm>
-            <a:off x="1934845" y="722947"/>
-            <a:ext cx="5274310" cy="5412105"/>
-          </a:xfrm>
-          <a:prstGeom prst="rect">
-            <a:avLst/>
-          </a:prstGeom>
-          <a:noFill/>
-          <a:ln>
-            <a:noFill/>
-          </a:ln>
-        </p:spPr>
-      </p:pic>
-      <p:sp>
-        <p:nvSpPr>
-          <p:cNvPr id="11" name="矩形 10"/>
+      <p:sp>
+        <p:nvSpPr>
+          <p:cNvPr id="18" name="矩形 17"/>
           <p:cNvSpPr>
             <a:spLocks noChangeArrowheads="1"/>
           </p:cNvSpPr>
@@ -27344,7 +27091,7 @@
     </p:spTree>
     <p:extLst>
       <p:ext uri="{BB962C8B-B14F-4D97-AF65-F5344CB8AC3E}">
-        <p14:creationId xmlns:p14="http://schemas.microsoft.com/office/powerpoint/2010/main" val="3906738123"/>
+        <p14:creationId xmlns:p14="http://schemas.microsoft.com/office/powerpoint/2010/main" val="450207364"/>
       </p:ext>
     </p:extLst>
   </p:cSld>
@@ -27426,33 +27173,9 @@
           </a:p>
         </p:txBody>
       </p:sp>
-      <p:pic>
-        <p:nvPicPr>
-          <p:cNvPr id="2" name="图片 1"/>
-          <p:cNvPicPr>
-            <a:picLocks noChangeAspect="1"/>
-          </p:cNvPicPr>
-          <p:nvPr/>
-        </p:nvPicPr>
-        <p:blipFill>
-          <a:blip r:embed="rId3"/>
-          <a:stretch>
-            <a:fillRect/>
-          </a:stretch>
-        </p:blipFill>
-        <p:spPr>
-          <a:xfrm>
-            <a:off x="1817286" y="946137"/>
-            <a:ext cx="5504666" cy="5472380"/>
-          </a:xfrm>
-          <a:prstGeom prst="rect">
-            <a:avLst/>
-          </a:prstGeom>
-        </p:spPr>
-      </p:pic>
-      <p:sp>
-        <p:nvSpPr>
-          <p:cNvPr id="10" name="直接连接符 13"/>
+      <p:sp>
+        <p:nvSpPr>
+          <p:cNvPr id="18" name="直接连接符 13"/>
           <p:cNvSpPr>
             <a:spLocks noChangeShapeType="1"/>
           </p:cNvSpPr>
@@ -27487,7 +27210,7 @@
       </p:sp>
       <p:sp>
         <p:nvSpPr>
-          <p:cNvPr id="12" name="TextBox 4"/>
+          <p:cNvPr id="19" name="TextBox 4"/>
           <p:cNvSpPr>
             <a:spLocks noChangeArrowheads="1"/>
           </p:cNvSpPr>
@@ -27529,9 +27252,9 @@
                 <a:ea typeface="黑体" pitchFamily="49" charset="-122"/>
                 <a:sym typeface="黑体" pitchFamily="49" charset="-122"/>
               </a:rPr>
-              <a:t>启动过程</a:t>
-            </a:r>
-            <a:endParaRPr lang="zh-CN" altLang="en-US" sz="2400" b="1" dirty="0">
+              <a:t>概念</a:t>
+            </a:r>
+            <a:endParaRPr lang="en-US" altLang="zh-CN" sz="2400" b="1" dirty="0" smtClean="0">
               <a:solidFill>
                 <a:srgbClr val="FFC68D"/>
               </a:solidFill>
@@ -27544,7 +27267,7 @@
       </p:sp>
       <p:sp>
         <p:nvSpPr>
-          <p:cNvPr id="13" name="矩形 12"/>
+          <p:cNvPr id="20" name="矩形 19"/>
           <p:cNvSpPr>
             <a:spLocks noChangeArrowheads="1"/>
           </p:cNvSpPr>
@@ -27552,7 +27275,7 @@
         </p:nvSpPr>
         <p:spPr bwMode="auto">
           <a:xfrm>
-            <a:off x="1290638" y="0"/>
+            <a:off x="-8957" y="14893"/>
             <a:ext cx="1276350" cy="549275"/>
           </a:xfrm>
           <a:prstGeom prst="rect">
@@ -27572,24 +27295,21 @@
           <a:bodyPr lIns="90170" tIns="46990" rIns="90170" bIns="46990" anchor="ctr"/>
           <a:lstStyle/>
           <a:p>
-            <a:pPr algn="ctr" eaLnBrk="1" hangingPunct="1">
-              <a:buFont typeface="Arial" charset="0"/>
-              <a:buNone/>
-            </a:pPr>
-            <a:r>
-              <a:rPr lang="zh-CN" altLang="en-US" sz="1500" b="1" dirty="0" smtClean="0">
-                <a:solidFill>
-                  <a:srgbClr val="FFFFFF"/>
+            <a:pPr algn="ctr" eaLnBrk="1" hangingPunct="1"/>
+            <a:r>
+              <a:rPr lang="zh-CN" altLang="en-US" sz="1600" b="1" dirty="0" smtClean="0">
+                <a:solidFill>
+                  <a:srgbClr val="E6F5E1"/>
                 </a:solidFill>
                 <a:latin typeface="微软雅黑" pitchFamily="34" charset="-122"/>
                 <a:ea typeface="微软雅黑" pitchFamily="34" charset="-122"/>
                 <a:sym typeface="微软雅黑" pitchFamily="34" charset="-122"/>
               </a:rPr>
-              <a:t>数据结构</a:t>
-            </a:r>
-            <a:endParaRPr lang="zh-CN" sz="1500" b="1" dirty="0">
+              <a:t>概述</a:t>
+            </a:r>
+            <a:endParaRPr lang="en-US" altLang="zh-CN" sz="1600" b="1" dirty="0">
               <a:solidFill>
-                <a:srgbClr val="FFFFFF"/>
+                <a:srgbClr val="E6F5E1"/>
               </a:solidFill>
               <a:latin typeface="微软雅黑" pitchFamily="34" charset="-122"/>
               <a:ea typeface="微软雅黑" pitchFamily="34" charset="-122"/>
@@ -27600,7 +27320,7 @@
       </p:sp>
       <p:sp>
         <p:nvSpPr>
-          <p:cNvPr id="16" name="矩形 6"/>
+          <p:cNvPr id="21" name="矩形 6"/>
           <p:cNvSpPr>
             <a:spLocks noChangeArrowheads="1"/>
           </p:cNvSpPr>
@@ -27608,8 +27328,8 @@
         </p:nvSpPr>
         <p:spPr bwMode="auto">
           <a:xfrm>
-            <a:off x="0" y="-1"/>
-            <a:ext cx="1276350" cy="836613"/>
+            <a:off x="1162349" y="1"/>
+            <a:ext cx="1465516" cy="579140"/>
           </a:xfrm>
           <a:prstGeom prst="rect">
             <a:avLst/>
@@ -27633,15 +27353,15 @@
               <a:buNone/>
             </a:pPr>
             <a:r>
-              <a:rPr lang="zh-CN" altLang="en-US" sz="2100" b="1" dirty="0">
-                <a:solidFill>
-                  <a:srgbClr val="E6F5E1"/>
+              <a:rPr lang="zh-CN" altLang="en-US" sz="2400" b="1" dirty="0" smtClean="0">
+                <a:solidFill>
+                  <a:srgbClr val="FFFFFF"/>
                 </a:solidFill>
                 <a:latin typeface="微软雅黑" pitchFamily="34" charset="-122"/>
                 <a:ea typeface="微软雅黑" pitchFamily="34" charset="-122"/>
                 <a:sym typeface="微软雅黑" pitchFamily="34" charset="-122"/>
               </a:rPr>
-              <a:t>概述</a:t>
+              <a:t>数据结构</a:t>
             </a:r>
             <a:endParaRPr lang="en-US" altLang="zh-CN" sz="2100" b="1" dirty="0" smtClean="0">
               <a:solidFill>
@@ -27656,7 +27376,7 @@
       </p:sp>
       <p:sp>
         <p:nvSpPr>
-          <p:cNvPr id="17" name="矩形 16"/>
+          <p:cNvPr id="22" name="矩形 21"/>
           <p:cNvSpPr>
             <a:spLocks noChangeArrowheads="1"/>
           </p:cNvSpPr>
@@ -27664,7 +27384,7 @@
         </p:nvSpPr>
         <p:spPr bwMode="auto">
           <a:xfrm>
-            <a:off x="2581276" y="-15875"/>
+            <a:off x="2629812" y="-15875"/>
             <a:ext cx="1276350" cy="549275"/>
           </a:xfrm>
           <a:prstGeom prst="rect">
@@ -27712,7 +27432,7 @@
       </p:sp>
       <p:sp>
         <p:nvSpPr>
-          <p:cNvPr id="18" name="矩形 17"/>
+          <p:cNvPr id="23" name="矩形 22"/>
           <p:cNvSpPr>
             <a:spLocks noChangeArrowheads="1"/>
           </p:cNvSpPr>
@@ -27720,7 +27440,7 @@
         </p:nvSpPr>
         <p:spPr bwMode="auto">
           <a:xfrm>
-            <a:off x="3895159" y="-14402"/>
+            <a:off x="3943695" y="-14402"/>
             <a:ext cx="1276350" cy="549275"/>
           </a:xfrm>
           <a:prstGeom prst="rect">
@@ -27766,10 +27486,34 @@
           </a:p>
         </p:txBody>
       </p:sp>
+      <p:pic>
+        <p:nvPicPr>
+          <p:cNvPr id="2" name="图片 1"/>
+          <p:cNvPicPr>
+            <a:picLocks noChangeAspect="1"/>
+          </p:cNvPicPr>
+          <p:nvPr/>
+        </p:nvPicPr>
+        <p:blipFill>
+          <a:blip r:embed="rId3"/>
+          <a:stretch>
+            <a:fillRect/>
+          </a:stretch>
+        </p:blipFill>
+        <p:spPr>
+          <a:xfrm>
+            <a:off x="1151050" y="1722183"/>
+            <a:ext cx="6086475" cy="3619500"/>
+          </a:xfrm>
+          <a:prstGeom prst="rect">
+            <a:avLst/>
+          </a:prstGeom>
+        </p:spPr>
+      </p:pic>
     </p:spTree>
     <p:extLst>
       <p:ext uri="{BB962C8B-B14F-4D97-AF65-F5344CB8AC3E}">
-        <p14:creationId xmlns:p14="http://schemas.microsoft.com/office/powerpoint/2010/main" val="450207364"/>
+        <p14:creationId xmlns:p14="http://schemas.microsoft.com/office/powerpoint/2010/main" val="1957575444"/>
       </p:ext>
     </p:extLst>
   </p:cSld>
@@ -27930,7 +27674,7 @@
                 <a:ea typeface="黑体" pitchFamily="49" charset="-122"/>
                 <a:sym typeface="黑体" pitchFamily="49" charset="-122"/>
               </a:rPr>
-              <a:t>概念</a:t>
+              <a:t>数据结构</a:t>
             </a:r>
             <a:endParaRPr lang="en-US" altLang="zh-CN" sz="2400" b="1" dirty="0" smtClean="0">
               <a:solidFill>
@@ -28166,32 +27910,41 @@
       </p:sp>
       <p:pic>
         <p:nvPicPr>
-          <p:cNvPr id="2" name="图片 1"/>
-          <p:cNvPicPr>
-            <a:picLocks noChangeAspect="1"/>
-          </p:cNvPicPr>
+          <p:cNvPr id="10" name="图片 9" descr="activity_record"/>
+          <p:cNvPicPr/>
           <p:nvPr/>
         </p:nvPicPr>
         <p:blipFill>
-          <a:blip r:embed="rId3"/>
+          <a:blip r:embed="rId3">
+            <a:extLst>
+              <a:ext uri="{28A0092B-C50C-407E-A947-70E740481C1C}">
+                <a14:useLocalDpi xmlns:a14="http://schemas.microsoft.com/office/drawing/2010/main" val="0"/>
+              </a:ext>
+            </a:extLst>
+          </a:blip>
+          <a:srcRect/>
           <a:stretch>
             <a:fillRect/>
           </a:stretch>
         </p:blipFill>
-        <p:spPr>
+        <p:spPr bwMode="auto">
           <a:xfrm>
-            <a:off x="1151050" y="1722183"/>
-            <a:ext cx="6086475" cy="3619500"/>
+            <a:off x="2627865" y="924210"/>
+            <a:ext cx="4032280" cy="5328370"/>
           </a:xfrm>
           <a:prstGeom prst="rect">
             <a:avLst/>
           </a:prstGeom>
+          <a:noFill/>
+          <a:ln>
+            <a:noFill/>
+          </a:ln>
         </p:spPr>
       </p:pic>
     </p:spTree>
     <p:extLst>
       <p:ext uri="{BB962C8B-B14F-4D97-AF65-F5344CB8AC3E}">
-        <p14:creationId xmlns:p14="http://schemas.microsoft.com/office/powerpoint/2010/main" val="1957575444"/>
+        <p14:creationId xmlns:p14="http://schemas.microsoft.com/office/powerpoint/2010/main" val="3273764724"/>
       </p:ext>
     </p:extLst>
   </p:cSld>
@@ -28344,7 +28097,7 @@
               <a:buNone/>
             </a:pPr>
             <a:r>
-              <a:rPr lang="zh-CN" altLang="en-US" sz="2400" b="1" dirty="0" smtClean="0">
+              <a:rPr lang="zh-CN" altLang="en-US" sz="2400" b="1" dirty="0">
                 <a:solidFill>
                   <a:srgbClr val="FFC68D"/>
                 </a:solidFill>
@@ -28352,7 +28105,7 @@
                 <a:ea typeface="黑体" pitchFamily="49" charset="-122"/>
                 <a:sym typeface="黑体" pitchFamily="49" charset="-122"/>
               </a:rPr>
-              <a:t>数据结构</a:t>
+              <a:t>组织方式</a:t>
             </a:r>
             <a:endParaRPr lang="en-US" altLang="zh-CN" sz="2400" b="1" dirty="0" smtClean="0">
               <a:solidFill>
@@ -28588,7 +28341,7 @@
       </p:sp>
       <p:pic>
         <p:nvPicPr>
-          <p:cNvPr id="10" name="图片 9" descr="activity_record"/>
+          <p:cNvPr id="11" name="图片 10" descr="ams_relations"/>
           <p:cNvPicPr/>
           <p:nvPr/>
         </p:nvPicPr>
@@ -28607,8 +28360,8 @@
         </p:blipFill>
         <p:spPr bwMode="auto">
           <a:xfrm>
-            <a:off x="2627865" y="924210"/>
-            <a:ext cx="4032280" cy="5328370"/>
+            <a:off x="1403780" y="960896"/>
+            <a:ext cx="5274310" cy="2725420"/>
           </a:xfrm>
           <a:prstGeom prst="rect">
             <a:avLst/>
@@ -28619,10 +28372,122 @@
           </a:ln>
         </p:spPr>
       </p:pic>
+      <p:sp>
+        <p:nvSpPr>
+          <p:cNvPr id="2" name="矩形 1"/>
+          <p:cNvSpPr/>
+          <p:nvPr/>
+        </p:nvSpPr>
+        <p:spPr>
+          <a:xfrm>
+            <a:off x="467715" y="4195646"/>
+            <a:ext cx="8346085" cy="1754326"/>
+          </a:xfrm>
+          <a:prstGeom prst="rect">
+            <a:avLst/>
+          </a:prstGeom>
+        </p:spPr>
+        <p:txBody>
+          <a:bodyPr wrap="square">
+            <a:spAutoFit/>
+          </a:bodyPr>
+          <a:lstStyle/>
+          <a:p>
+            <a:r>
+              <a:rPr lang="en-US" altLang="zh-CN" dirty="0"/>
+              <a:t>(1)</a:t>
+            </a:r>
+            <a:r>
+              <a:rPr lang="zh-CN" altLang="zh-CN" dirty="0"/>
+              <a:t>正向关系链表：</a:t>
+            </a:r>
+          </a:p>
+          <a:p>
+            <a:r>
+              <a:rPr lang="en-US" altLang="zh-CN" dirty="0" err="1"/>
+              <a:t>ActivityStackSupervisor.mActivityDisplays</a:t>
+            </a:r>
+            <a:r>
+              <a:rPr lang="en-US" altLang="zh-CN" dirty="0"/>
+              <a:t> -&gt; </a:t>
+            </a:r>
+            <a:r>
+              <a:rPr lang="en-US" altLang="zh-CN" dirty="0" err="1"/>
+              <a:t>ActivityDisplay.mStacks</a:t>
+            </a:r>
+            <a:r>
+              <a:rPr lang="en-US" altLang="zh-CN" dirty="0"/>
+              <a:t> -&gt; </a:t>
+            </a:r>
+            <a:r>
+              <a:rPr lang="en-US" altLang="zh-CN" dirty="0" err="1"/>
+              <a:t>ActivityStack.mTaskHistory</a:t>
+            </a:r>
+            <a:r>
+              <a:rPr lang="en-US" altLang="zh-CN" dirty="0"/>
+              <a:t> -&gt; </a:t>
+            </a:r>
+            <a:r>
+              <a:rPr lang="en-US" altLang="zh-CN" dirty="0" err="1"/>
+              <a:t>TaskRecord.mActivities</a:t>
+            </a:r>
+            <a:r>
+              <a:rPr lang="en-US" altLang="zh-CN" dirty="0"/>
+              <a:t> -&gt; </a:t>
+            </a:r>
+            <a:r>
+              <a:rPr lang="en-US" altLang="zh-CN" dirty="0" err="1"/>
+              <a:t>ActivityRecord</a:t>
+            </a:r>
+            <a:endParaRPr lang="zh-CN" altLang="zh-CN" dirty="0"/>
+          </a:p>
+          <a:p>
+            <a:r>
+              <a:rPr lang="en-US" altLang="zh-CN" dirty="0"/>
+              <a:t>(2)</a:t>
+            </a:r>
+            <a:r>
+              <a:rPr lang="zh-CN" altLang="zh-CN" dirty="0"/>
+              <a:t>反向关系链表：</a:t>
+            </a:r>
+          </a:p>
+          <a:p>
+            <a:r>
+              <a:rPr lang="en-US" altLang="zh-CN" dirty="0" err="1"/>
+              <a:t>ActivityRecord.task</a:t>
+            </a:r>
+            <a:r>
+              <a:rPr lang="en-US" altLang="zh-CN" dirty="0"/>
+              <a:t> -&gt; </a:t>
+            </a:r>
+            <a:r>
+              <a:rPr lang="en-US" altLang="zh-CN" dirty="0" err="1"/>
+              <a:t>TaskRecord.stack</a:t>
+            </a:r>
+            <a:r>
+              <a:rPr lang="en-US" altLang="zh-CN" dirty="0"/>
+              <a:t> -&gt; </a:t>
+            </a:r>
+            <a:r>
+              <a:rPr lang="en-US" altLang="zh-CN" dirty="0" err="1"/>
+              <a:t>ActivityStack.mStackSupervisor</a:t>
+            </a:r>
+            <a:r>
+              <a:rPr lang="en-US" altLang="zh-CN" dirty="0"/>
+              <a:t>-&gt; </a:t>
+            </a:r>
+            <a:r>
+              <a:rPr lang="en-US" altLang="zh-CN" dirty="0" err="1" smtClean="0"/>
+              <a:t>ActivityStackSupervisor</a:t>
+            </a:r>
+            <a:endParaRPr lang="zh-CN" altLang="zh-CN" dirty="0"/>
+          </a:p>
+        </p:txBody>
+      </p:sp>
     </p:spTree>
     <p:extLst>
       <p:ext uri="{BB962C8B-B14F-4D97-AF65-F5344CB8AC3E}">
-        <p14:creationId xmlns:p14="http://schemas.microsoft.com/office/powerpoint/2010/main" val="3273764724"/>
+        <p14:creationId xmlns:p14="http://schemas.microsoft.com/office/powerpoint/2010/main" val="2966755266"/>
       </p:ext>
     </p:extLst>
   </p:cSld>
